--- a/group_meeting_presentation.pptx
+++ b/group_meeting_presentation.pptx
@@ -5,7 +5,7 @@
     <p:sldMasterId id="2147483648" r:id="rId1"/>
   </p:sldMasterIdLst>
   <p:notesMasterIdLst>
-    <p:notesMasterId r:id="rId13"/>
+    <p:notesMasterId r:id="rId24"/>
   </p:notesMasterIdLst>
   <p:sldIdLst>
     <p:sldId id="256" r:id="rId2"/>
@@ -19,6 +19,17 @@
     <p:sldId id="270" r:id="rId10"/>
     <p:sldId id="271" r:id="rId11"/>
     <p:sldId id="272" r:id="rId12"/>
+    <p:sldId id="273" r:id="rId13"/>
+    <p:sldId id="274" r:id="rId14"/>
+    <p:sldId id="275" r:id="rId15"/>
+    <p:sldId id="276" r:id="rId16"/>
+    <p:sldId id="277" r:id="rId17"/>
+    <p:sldId id="278" r:id="rId18"/>
+    <p:sldId id="279" r:id="rId19"/>
+    <p:sldId id="280" r:id="rId20"/>
+    <p:sldId id="281" r:id="rId21"/>
+    <p:sldId id="282" r:id="rId22"/>
+    <p:sldId id="283" r:id="rId23"/>
   </p:sldIdLst>
   <p:sldSz cx="12192000" cy="6858000"/>
   <p:notesSz cx="6858000" cy="9144000"/>
@@ -4300,7 +4311,25 @@
           <a:bodyPr/>
           <a:lstStyle/>
           <a:p>
-            <a:endParaRPr lang="en-US"/>
+            <a:r>
+              <a:rPr lang="en-US" dirty="0">
+                <a:hlinkClick r:id="rId2"/>
+              </a:rPr>
+              <a:t>http://</a:t>
+            </a:r>
+            <a:r>
+              <a:rPr lang="en-US" dirty="0" err="1">
+                <a:hlinkClick r:id="rId2"/>
+              </a:rPr>
+              <a:t>arxiv.org</a:t>
+            </a:r>
+            <a:r>
+              <a:rPr lang="en-US" dirty="0">
+                <a:hlinkClick r:id="rId2"/>
+              </a:rPr>
+              <a:t>/abs/2302.00482</a:t>
+            </a:r>
+            <a:endParaRPr lang="en-US" dirty="0"/>
           </a:p>
         </p:txBody>
       </p:sp>
@@ -4538,7 +4567,7 @@
         <p:spPr>
           <a:xfrm>
             <a:off x="1409700" y="1690688"/>
-            <a:ext cx="9153018" cy="461665"/>
+            <a:ext cx="8805937" cy="461665"/>
           </a:xfrm>
           <a:prstGeom prst="rect">
             <a:avLst/>
@@ -4553,11 +4582,105 @@
           <a:p>
             <a:r>
               <a:rPr lang="en-US" sz="2400" dirty="0"/>
-              <a:t>If we stipulate that our ODE will produce marginal densities of the form:</a:t>
-            </a:r>
-          </a:p>
-        </p:txBody>
-      </p:sp>
+              <a:t>If we stipulate that our ODE will produce gaussian marginal densities:</a:t>
+            </a:r>
+          </a:p>
+        </p:txBody>
+      </p:sp>
+      <p:pic>
+        <p:nvPicPr>
+          <p:cNvPr id="4" name="Picture 3">
+            <a:extLst>
+              <a:ext uri="{FF2B5EF4-FFF2-40B4-BE49-F238E27FC236}">
+                <a16:creationId xmlns:a16="http://schemas.microsoft.com/office/drawing/2014/main" id="{CE1685B8-C9FA-DA69-6F07-43BA487100C1}"/>
+              </a:ext>
+            </a:extLst>
+          </p:cNvPr>
+          <p:cNvPicPr>
+            <a:picLocks noChangeAspect="1"/>
+          </p:cNvPicPr>
+          <p:nvPr/>
+        </p:nvPicPr>
+        <p:blipFill>
+          <a:blip r:embed="rId2"/>
+          <a:stretch>
+            <a:fillRect/>
+          </a:stretch>
+        </p:blipFill>
+        <p:spPr>
+          <a:xfrm>
+            <a:off x="3580643" y="2159957"/>
+            <a:ext cx="4464050" cy="949297"/>
+          </a:xfrm>
+          <a:prstGeom prst="rect">
+            <a:avLst/>
+          </a:prstGeom>
+        </p:spPr>
+      </p:pic>
+      <p:sp>
+        <p:nvSpPr>
+          <p:cNvPr id="5" name="TextBox 4">
+            <a:extLst>
+              <a:ext uri="{FF2B5EF4-FFF2-40B4-BE49-F238E27FC236}">
+                <a16:creationId xmlns:a16="http://schemas.microsoft.com/office/drawing/2014/main" id="{811C0F6D-3D41-BB06-71DE-6974E4FEBC82}"/>
+              </a:ext>
+            </a:extLst>
+          </p:cNvPr>
+          <p:cNvSpPr txBox="1"/>
+          <p:nvPr/>
+        </p:nvSpPr>
+        <p:spPr>
+          <a:xfrm>
+            <a:off x="1351793" y="3748747"/>
+            <a:ext cx="8598379" cy="461665"/>
+          </a:xfrm>
+          <a:prstGeom prst="rect">
+            <a:avLst/>
+          </a:prstGeom>
+          <a:noFill/>
+        </p:spPr>
+        <p:txBody>
+          <a:bodyPr wrap="none" rtlCol="0">
+            <a:spAutoFit/>
+          </a:bodyPr>
+          <a:lstStyle/>
+          <a:p>
+            <a:r>
+              <a:rPr lang="en-US" sz="2400" dirty="0"/>
+              <a:t>We can solve for the unique vector field generating these marginals:</a:t>
+            </a:r>
+          </a:p>
+        </p:txBody>
+      </p:sp>
+      <p:pic>
+        <p:nvPicPr>
+          <p:cNvPr id="6" name="Picture 5">
+            <a:extLst>
+              <a:ext uri="{FF2B5EF4-FFF2-40B4-BE49-F238E27FC236}">
+                <a16:creationId xmlns:a16="http://schemas.microsoft.com/office/drawing/2014/main" id="{EFF3E8BE-8B00-FAC2-4137-FBDEE410E742}"/>
+              </a:ext>
+            </a:extLst>
+          </p:cNvPr>
+          <p:cNvPicPr>
+            <a:picLocks noChangeAspect="1"/>
+          </p:cNvPicPr>
+          <p:nvPr/>
+        </p:nvPicPr>
+        <p:blipFill rotWithShape="1">
+          <a:blip r:embed="rId3"/>
+          <a:srcRect l="2124" t="5683" r="2062" b="10305"/>
+          <a:stretch/>
+        </p:blipFill>
+        <p:spPr>
+          <a:xfrm>
+            <a:off x="2915129" y="4346923"/>
+            <a:ext cx="6051072" cy="1640777"/>
+          </a:xfrm>
+          <a:prstGeom prst="rect">
+            <a:avLst/>
+          </a:prstGeom>
+        </p:spPr>
+      </p:pic>
     </p:spTree>
     <p:extLst>
       <p:ext uri="{BB962C8B-B14F-4D97-AF65-F5344CB8AC3E}">
@@ -4568,6 +4691,3082 @@
   <p:clrMapOvr>
     <a:masterClrMapping/>
   </p:clrMapOvr>
+  <p:timing>
+    <p:tnLst>
+      <p:par>
+        <p:cTn id="1" dur="indefinite" restart="never" nodeType="tmRoot">
+          <p:childTnLst>
+            <p:seq concurrent="1" nextAc="seek">
+              <p:cTn id="2" dur="indefinite" nodeType="mainSeq">
+                <p:childTnLst>
+                  <p:par>
+                    <p:cTn id="3" fill="hold">
+                      <p:stCondLst>
+                        <p:cond delay="indefinite"/>
+                      </p:stCondLst>
+                      <p:childTnLst>
+                        <p:par>
+                          <p:cTn id="4" fill="hold">
+                            <p:stCondLst>
+                              <p:cond delay="0"/>
+                            </p:stCondLst>
+                            <p:childTnLst>
+                              <p:par>
+                                <p:cTn id="5" presetID="1" presetClass="entr" presetSubtype="0" fill="hold" grpId="0" nodeType="clickEffect">
+                                  <p:stCondLst>
+                                    <p:cond delay="0"/>
+                                  </p:stCondLst>
+                                  <p:childTnLst>
+                                    <p:set>
+                                      <p:cBhvr>
+                                        <p:cTn id="6" dur="1" fill="hold">
+                                          <p:stCondLst>
+                                            <p:cond delay="0"/>
+                                          </p:stCondLst>
+                                        </p:cTn>
+                                        <p:tgtEl>
+                                          <p:spTgt spid="5"/>
+                                        </p:tgtEl>
+                                        <p:attrNameLst>
+                                          <p:attrName>style.visibility</p:attrName>
+                                        </p:attrNameLst>
+                                      </p:cBhvr>
+                                      <p:to>
+                                        <p:strVal val="visible"/>
+                                      </p:to>
+                                    </p:set>
+                                  </p:childTnLst>
+                                </p:cTn>
+                              </p:par>
+                              <p:par>
+                                <p:cTn id="7" presetID="1" presetClass="entr" presetSubtype="0" fill="hold" nodeType="withEffect">
+                                  <p:stCondLst>
+                                    <p:cond delay="0"/>
+                                  </p:stCondLst>
+                                  <p:childTnLst>
+                                    <p:set>
+                                      <p:cBhvr>
+                                        <p:cTn id="8" dur="1" fill="hold">
+                                          <p:stCondLst>
+                                            <p:cond delay="0"/>
+                                          </p:stCondLst>
+                                        </p:cTn>
+                                        <p:tgtEl>
+                                          <p:spTgt spid="6"/>
+                                        </p:tgtEl>
+                                        <p:attrNameLst>
+                                          <p:attrName>style.visibility</p:attrName>
+                                        </p:attrNameLst>
+                                      </p:cBhvr>
+                                      <p:to>
+                                        <p:strVal val="visible"/>
+                                      </p:to>
+                                    </p:set>
+                                  </p:childTnLst>
+                                </p:cTn>
+                              </p:par>
+                            </p:childTnLst>
+                          </p:cTn>
+                        </p:par>
+                      </p:childTnLst>
+                    </p:cTn>
+                  </p:par>
+                </p:childTnLst>
+              </p:cTn>
+              <p:prevCondLst>
+                <p:cond evt="onPrev" delay="0">
+                  <p:tgtEl>
+                    <p:sldTgt/>
+                  </p:tgtEl>
+                </p:cond>
+              </p:prevCondLst>
+              <p:nextCondLst>
+                <p:cond evt="onNext" delay="0">
+                  <p:tgtEl>
+                    <p:sldTgt/>
+                  </p:tgtEl>
+                </p:cond>
+              </p:nextCondLst>
+            </p:seq>
+          </p:childTnLst>
+        </p:cTn>
+      </p:par>
+    </p:tnLst>
+    <p:bldLst>
+      <p:bldP spid="5" grpId="0"/>
+    </p:bldLst>
+  </p:timing>
+</p:sld>
+</file>
+
+<file path=ppt/slides/slide12.xml><?xml version="1.0" encoding="utf-8"?>
+<p:sld xmlns:a="http://schemas.openxmlformats.org/drawingml/2006/main" xmlns:r="http://schemas.openxmlformats.org/officeDocument/2006/relationships" xmlns:p="http://schemas.openxmlformats.org/presentationml/2006/main">
+  <p:cSld>
+    <p:spTree>
+      <p:nvGrpSpPr>
+        <p:cNvPr id="1" name=""/>
+        <p:cNvGrpSpPr/>
+        <p:nvPr/>
+      </p:nvGrpSpPr>
+      <p:grpSpPr>
+        <a:xfrm>
+          <a:off x="0" y="0"/>
+          <a:ext cx="0" cy="0"/>
+          <a:chOff x="0" y="0"/>
+          <a:chExt cx="0" cy="0"/>
+        </a:xfrm>
+      </p:grpSpPr>
+      <p:sp>
+        <p:nvSpPr>
+          <p:cNvPr id="2" name="Title 1">
+            <a:extLst>
+              <a:ext uri="{FF2B5EF4-FFF2-40B4-BE49-F238E27FC236}">
+                <a16:creationId xmlns:a16="http://schemas.microsoft.com/office/drawing/2014/main" id="{868B7B51-DC57-C24D-C460-DDB7894470F0}"/>
+              </a:ext>
+            </a:extLst>
+          </p:cNvPr>
+          <p:cNvSpPr>
+            <a:spLocks noGrp="1"/>
+          </p:cNvSpPr>
+          <p:nvPr>
+            <p:ph type="title"/>
+          </p:nvPr>
+        </p:nvSpPr>
+        <p:spPr/>
+        <p:txBody>
+          <a:bodyPr/>
+          <a:lstStyle/>
+          <a:p>
+            <a:r>
+              <a:rPr lang="en-US" dirty="0"/>
+              <a:t>What does this have to do with generative models?</a:t>
+            </a:r>
+          </a:p>
+        </p:txBody>
+      </p:sp>
+      <p:sp>
+        <p:nvSpPr>
+          <p:cNvPr id="3" name="Text Placeholder 2">
+            <a:extLst>
+              <a:ext uri="{FF2B5EF4-FFF2-40B4-BE49-F238E27FC236}">
+                <a16:creationId xmlns:a16="http://schemas.microsoft.com/office/drawing/2014/main" id="{FDFA0F3D-42FB-943C-1F16-0BAEC79B88D4}"/>
+              </a:ext>
+            </a:extLst>
+          </p:cNvPr>
+          <p:cNvSpPr>
+            <a:spLocks noGrp="1"/>
+          </p:cNvSpPr>
+          <p:nvPr>
+            <p:ph type="body" idx="1"/>
+          </p:nvPr>
+        </p:nvSpPr>
+        <p:spPr/>
+        <p:txBody>
+          <a:bodyPr/>
+          <a:lstStyle/>
+          <a:p>
+            <a:endParaRPr lang="en-US"/>
+          </a:p>
+        </p:txBody>
+      </p:sp>
+    </p:spTree>
+    <p:extLst>
+      <p:ext uri="{BB962C8B-B14F-4D97-AF65-F5344CB8AC3E}">
+        <p14:creationId xmlns:p14="http://schemas.microsoft.com/office/powerpoint/2010/main" val="666386931"/>
+      </p:ext>
+    </p:extLst>
+  </p:cSld>
+  <p:clrMapOvr>
+    <a:masterClrMapping/>
+  </p:clrMapOvr>
+</p:sld>
+</file>
+
+<file path=ppt/slides/slide13.xml><?xml version="1.0" encoding="utf-8"?>
+<p:sld xmlns:a="http://schemas.openxmlformats.org/drawingml/2006/main" xmlns:r="http://schemas.openxmlformats.org/officeDocument/2006/relationships" xmlns:p="http://schemas.openxmlformats.org/presentationml/2006/main">
+  <p:cSld>
+    <p:spTree>
+      <p:nvGrpSpPr>
+        <p:cNvPr id="1" name=""/>
+        <p:cNvGrpSpPr/>
+        <p:nvPr/>
+      </p:nvGrpSpPr>
+      <p:grpSpPr>
+        <a:xfrm>
+          <a:off x="0" y="0"/>
+          <a:ext cx="0" cy="0"/>
+          <a:chOff x="0" y="0"/>
+          <a:chExt cx="0" cy="0"/>
+        </a:xfrm>
+      </p:grpSpPr>
+      <p:sp>
+        <p:nvSpPr>
+          <p:cNvPr id="2" name="Title 1">
+            <a:extLst>
+              <a:ext uri="{FF2B5EF4-FFF2-40B4-BE49-F238E27FC236}">
+                <a16:creationId xmlns:a16="http://schemas.microsoft.com/office/drawing/2014/main" id="{1DA6CC17-54DC-35CA-5038-9990CAA2F843}"/>
+              </a:ext>
+            </a:extLst>
+          </p:cNvPr>
+          <p:cNvSpPr>
+            <a:spLocks noGrp="1"/>
+          </p:cNvSpPr>
+          <p:nvPr>
+            <p:ph type="title"/>
+          </p:nvPr>
+        </p:nvSpPr>
+        <p:spPr/>
+        <p:txBody>
+          <a:bodyPr/>
+          <a:lstStyle/>
+          <a:p>
+            <a:r>
+              <a:rPr lang="en-US" dirty="0"/>
+              <a:t>Suppose we want map one distribution into another using ODEs</a:t>
+            </a:r>
+          </a:p>
+        </p:txBody>
+      </p:sp>
+      <p:pic>
+        <p:nvPicPr>
+          <p:cNvPr id="4" name="Picture 3">
+            <a:extLst>
+              <a:ext uri="{FF2B5EF4-FFF2-40B4-BE49-F238E27FC236}">
+                <a16:creationId xmlns:a16="http://schemas.microsoft.com/office/drawing/2014/main" id="{F25055E1-1298-0842-066E-4CD3A0B6F89E}"/>
+              </a:ext>
+            </a:extLst>
+          </p:cNvPr>
+          <p:cNvPicPr>
+            <a:picLocks noChangeAspect="1"/>
+          </p:cNvPicPr>
+          <p:nvPr/>
+        </p:nvPicPr>
+        <p:blipFill>
+          <a:blip r:embed="rId2"/>
+          <a:stretch>
+            <a:fillRect/>
+          </a:stretch>
+        </p:blipFill>
+        <p:spPr>
+          <a:xfrm>
+            <a:off x="2241550" y="1690688"/>
+            <a:ext cx="6921500" cy="1511300"/>
+          </a:xfrm>
+          <a:prstGeom prst="rect">
+            <a:avLst/>
+          </a:prstGeom>
+        </p:spPr>
+      </p:pic>
+    </p:spTree>
+    <p:extLst>
+      <p:ext uri="{BB962C8B-B14F-4D97-AF65-F5344CB8AC3E}">
+        <p14:creationId xmlns:p14="http://schemas.microsoft.com/office/powerpoint/2010/main" val="1505154113"/>
+      </p:ext>
+    </p:extLst>
+  </p:cSld>
+  <p:clrMapOvr>
+    <a:masterClrMapping/>
+  </p:clrMapOvr>
+</p:sld>
+</file>
+
+<file path=ppt/slides/slide14.xml><?xml version="1.0" encoding="utf-8"?>
+<p:sld xmlns:a="http://schemas.openxmlformats.org/drawingml/2006/main" xmlns:r="http://schemas.openxmlformats.org/officeDocument/2006/relationships" xmlns:p="http://schemas.openxmlformats.org/presentationml/2006/main">
+  <p:cSld>
+    <p:spTree>
+      <p:nvGrpSpPr>
+        <p:cNvPr id="1" name=""/>
+        <p:cNvGrpSpPr/>
+        <p:nvPr/>
+      </p:nvGrpSpPr>
+      <p:grpSpPr>
+        <a:xfrm>
+          <a:off x="0" y="0"/>
+          <a:ext cx="0" cy="0"/>
+          <a:chOff x="0" y="0"/>
+          <a:chExt cx="0" cy="0"/>
+        </a:xfrm>
+      </p:grpSpPr>
+      <p:sp>
+        <p:nvSpPr>
+          <p:cNvPr id="2" name="Title 1">
+            <a:extLst>
+              <a:ext uri="{FF2B5EF4-FFF2-40B4-BE49-F238E27FC236}">
+                <a16:creationId xmlns:a16="http://schemas.microsoft.com/office/drawing/2014/main" id="{1DA6CC17-54DC-35CA-5038-9990CAA2F843}"/>
+              </a:ext>
+            </a:extLst>
+          </p:cNvPr>
+          <p:cNvSpPr>
+            <a:spLocks noGrp="1"/>
+          </p:cNvSpPr>
+          <p:nvPr>
+            <p:ph type="title"/>
+          </p:nvPr>
+        </p:nvSpPr>
+        <p:spPr/>
+        <p:txBody>
+          <a:bodyPr/>
+          <a:lstStyle/>
+          <a:p>
+            <a:r>
+              <a:rPr lang="en-US" dirty="0"/>
+              <a:t>Suppose we want map one distribution into another using ODEs</a:t>
+            </a:r>
+          </a:p>
+        </p:txBody>
+      </p:sp>
+      <p:pic>
+        <p:nvPicPr>
+          <p:cNvPr id="4" name="Picture 3">
+            <a:extLst>
+              <a:ext uri="{FF2B5EF4-FFF2-40B4-BE49-F238E27FC236}">
+                <a16:creationId xmlns:a16="http://schemas.microsoft.com/office/drawing/2014/main" id="{F25055E1-1298-0842-066E-4CD3A0B6F89E}"/>
+              </a:ext>
+            </a:extLst>
+          </p:cNvPr>
+          <p:cNvPicPr>
+            <a:picLocks noChangeAspect="1"/>
+          </p:cNvPicPr>
+          <p:nvPr/>
+        </p:nvPicPr>
+        <p:blipFill>
+          <a:blip r:embed="rId2"/>
+          <a:stretch>
+            <a:fillRect/>
+          </a:stretch>
+        </p:blipFill>
+        <p:spPr>
+          <a:xfrm>
+            <a:off x="2241550" y="1690688"/>
+            <a:ext cx="6921500" cy="1511300"/>
+          </a:xfrm>
+          <a:prstGeom prst="rect">
+            <a:avLst/>
+          </a:prstGeom>
+        </p:spPr>
+      </p:pic>
+      <p:sp>
+        <p:nvSpPr>
+          <p:cNvPr id="3" name="TextBox 2">
+            <a:extLst>
+              <a:ext uri="{FF2B5EF4-FFF2-40B4-BE49-F238E27FC236}">
+                <a16:creationId xmlns:a16="http://schemas.microsoft.com/office/drawing/2014/main" id="{D8785F47-5A5C-527F-525D-1A898C987051}"/>
+              </a:ext>
+            </a:extLst>
+          </p:cNvPr>
+          <p:cNvSpPr txBox="1"/>
+          <p:nvPr/>
+        </p:nvSpPr>
+        <p:spPr>
+          <a:xfrm>
+            <a:off x="1752600" y="3201988"/>
+            <a:ext cx="7573676" cy="523220"/>
+          </a:xfrm>
+          <a:prstGeom prst="rect">
+            <a:avLst/>
+          </a:prstGeom>
+          <a:noFill/>
+        </p:spPr>
+        <p:txBody>
+          <a:bodyPr wrap="none" rtlCol="0">
+            <a:spAutoFit/>
+          </a:bodyPr>
+          <a:lstStyle/>
+          <a:p>
+            <a:r>
+              <a:rPr lang="en-US" sz="2800" dirty="0"/>
+              <a:t>If we could do this, would have a generative model</a:t>
+            </a:r>
+          </a:p>
+        </p:txBody>
+      </p:sp>
+    </p:spTree>
+    <p:extLst>
+      <p:ext uri="{BB962C8B-B14F-4D97-AF65-F5344CB8AC3E}">
+        <p14:creationId xmlns:p14="http://schemas.microsoft.com/office/powerpoint/2010/main" val="1320376772"/>
+      </p:ext>
+    </p:extLst>
+  </p:cSld>
+  <p:clrMapOvr>
+    <a:masterClrMapping/>
+  </p:clrMapOvr>
+</p:sld>
+</file>
+
+<file path=ppt/slides/slide15.xml><?xml version="1.0" encoding="utf-8"?>
+<p:sld xmlns:a="http://schemas.openxmlformats.org/drawingml/2006/main" xmlns:r="http://schemas.openxmlformats.org/officeDocument/2006/relationships" xmlns:p="http://schemas.openxmlformats.org/presentationml/2006/main">
+  <p:cSld>
+    <p:spTree>
+      <p:nvGrpSpPr>
+        <p:cNvPr id="1" name=""/>
+        <p:cNvGrpSpPr/>
+        <p:nvPr/>
+      </p:nvGrpSpPr>
+      <p:grpSpPr>
+        <a:xfrm>
+          <a:off x="0" y="0"/>
+          <a:ext cx="0" cy="0"/>
+          <a:chOff x="0" y="0"/>
+          <a:chExt cx="0" cy="0"/>
+        </a:xfrm>
+      </p:grpSpPr>
+      <p:sp>
+        <p:nvSpPr>
+          <p:cNvPr id="2" name="Title 1">
+            <a:extLst>
+              <a:ext uri="{FF2B5EF4-FFF2-40B4-BE49-F238E27FC236}">
+                <a16:creationId xmlns:a16="http://schemas.microsoft.com/office/drawing/2014/main" id="{1DA6CC17-54DC-35CA-5038-9990CAA2F843}"/>
+              </a:ext>
+            </a:extLst>
+          </p:cNvPr>
+          <p:cNvSpPr>
+            <a:spLocks noGrp="1"/>
+          </p:cNvSpPr>
+          <p:nvPr>
+            <p:ph type="title"/>
+          </p:nvPr>
+        </p:nvSpPr>
+        <p:spPr/>
+        <p:txBody>
+          <a:bodyPr/>
+          <a:lstStyle/>
+          <a:p>
+            <a:r>
+              <a:rPr lang="en-US" dirty="0"/>
+              <a:t>Suppose we want map one distribution into another using ODEs</a:t>
+            </a:r>
+          </a:p>
+        </p:txBody>
+      </p:sp>
+      <p:pic>
+        <p:nvPicPr>
+          <p:cNvPr id="4" name="Picture 3">
+            <a:extLst>
+              <a:ext uri="{FF2B5EF4-FFF2-40B4-BE49-F238E27FC236}">
+                <a16:creationId xmlns:a16="http://schemas.microsoft.com/office/drawing/2014/main" id="{F25055E1-1298-0842-066E-4CD3A0B6F89E}"/>
+              </a:ext>
+            </a:extLst>
+          </p:cNvPr>
+          <p:cNvPicPr>
+            <a:picLocks noChangeAspect="1"/>
+          </p:cNvPicPr>
+          <p:nvPr/>
+        </p:nvPicPr>
+        <p:blipFill>
+          <a:blip r:embed="rId2"/>
+          <a:stretch>
+            <a:fillRect/>
+          </a:stretch>
+        </p:blipFill>
+        <p:spPr>
+          <a:xfrm>
+            <a:off x="2241550" y="1690688"/>
+            <a:ext cx="6921500" cy="1511300"/>
+          </a:xfrm>
+          <a:prstGeom prst="rect">
+            <a:avLst/>
+          </a:prstGeom>
+        </p:spPr>
+      </p:pic>
+      <p:sp>
+        <p:nvSpPr>
+          <p:cNvPr id="5" name="TextBox 4">
+            <a:extLst>
+              <a:ext uri="{FF2B5EF4-FFF2-40B4-BE49-F238E27FC236}">
+                <a16:creationId xmlns:a16="http://schemas.microsoft.com/office/drawing/2014/main" id="{8C85E265-1F07-E57B-0EDE-427CFCFA21EC}"/>
+              </a:ext>
+            </a:extLst>
+          </p:cNvPr>
+          <p:cNvSpPr txBox="1"/>
+          <p:nvPr/>
+        </p:nvSpPr>
+        <p:spPr>
+          <a:xfrm>
+            <a:off x="1701800" y="3201988"/>
+            <a:ext cx="9652000" cy="1384995"/>
+          </a:xfrm>
+          <a:prstGeom prst="rect">
+            <a:avLst/>
+          </a:prstGeom>
+          <a:noFill/>
+        </p:spPr>
+        <p:txBody>
+          <a:bodyPr wrap="square" rtlCol="0">
+            <a:spAutoFit/>
+          </a:bodyPr>
+          <a:lstStyle/>
+          <a:p>
+            <a:r>
+              <a:rPr lang="en-US" sz="2800" dirty="0"/>
+              <a:t>Lets pretend we have access to the the vector field and marginal density function that map between these distributions at t=0 and t=1</a:t>
+            </a:r>
+          </a:p>
+        </p:txBody>
+      </p:sp>
+      <p:pic>
+        <p:nvPicPr>
+          <p:cNvPr id="6" name="Picture 5">
+            <a:extLst>
+              <a:ext uri="{FF2B5EF4-FFF2-40B4-BE49-F238E27FC236}">
+                <a16:creationId xmlns:a16="http://schemas.microsoft.com/office/drawing/2014/main" id="{42CD29D8-DFED-E291-58DA-7E9222B49F69}"/>
+              </a:ext>
+            </a:extLst>
+          </p:cNvPr>
+          <p:cNvPicPr>
+            <a:picLocks noChangeAspect="1"/>
+          </p:cNvPicPr>
+          <p:nvPr/>
+        </p:nvPicPr>
+        <p:blipFill rotWithShape="1">
+          <a:blip r:embed="rId3"/>
+          <a:srcRect r="69827"/>
+          <a:stretch/>
+        </p:blipFill>
+        <p:spPr>
+          <a:xfrm>
+            <a:off x="6884159" y="4338043"/>
+            <a:ext cx="1346957" cy="949297"/>
+          </a:xfrm>
+          <a:prstGeom prst="rect">
+            <a:avLst/>
+          </a:prstGeom>
+        </p:spPr>
+      </p:pic>
+      <p:pic>
+        <p:nvPicPr>
+          <p:cNvPr id="7" name="Picture 6">
+            <a:extLst>
+              <a:ext uri="{FF2B5EF4-FFF2-40B4-BE49-F238E27FC236}">
+                <a16:creationId xmlns:a16="http://schemas.microsoft.com/office/drawing/2014/main" id="{F73306D9-C048-CD42-8F7E-920E514E096E}"/>
+              </a:ext>
+            </a:extLst>
+          </p:cNvPr>
+          <p:cNvPicPr>
+            <a:picLocks noChangeAspect="1"/>
+          </p:cNvPicPr>
+          <p:nvPr/>
+        </p:nvPicPr>
+        <p:blipFill rotWithShape="1">
+          <a:blip r:embed="rId4"/>
+          <a:srcRect l="2124" t="5683" r="76548" b="10305"/>
+          <a:stretch/>
+        </p:blipFill>
+        <p:spPr>
+          <a:xfrm>
+            <a:off x="3575051" y="4081204"/>
+            <a:ext cx="1346957" cy="1640777"/>
+          </a:xfrm>
+          <a:prstGeom prst="rect">
+            <a:avLst/>
+          </a:prstGeom>
+        </p:spPr>
+      </p:pic>
+      <p:sp>
+        <p:nvSpPr>
+          <p:cNvPr id="8" name="TextBox 7">
+            <a:extLst>
+              <a:ext uri="{FF2B5EF4-FFF2-40B4-BE49-F238E27FC236}">
+                <a16:creationId xmlns:a16="http://schemas.microsoft.com/office/drawing/2014/main" id="{1A6B1A5A-EB2E-D5F1-8CCB-396F00B9CECA}"/>
+              </a:ext>
+            </a:extLst>
+          </p:cNvPr>
+          <p:cNvSpPr txBox="1"/>
+          <p:nvPr/>
+        </p:nvSpPr>
+        <p:spPr>
+          <a:xfrm>
+            <a:off x="1803400" y="5466199"/>
+            <a:ext cx="9652000" cy="1384995"/>
+          </a:xfrm>
+          <a:prstGeom prst="rect">
+            <a:avLst/>
+          </a:prstGeom>
+          <a:noFill/>
+        </p:spPr>
+        <p:txBody>
+          <a:bodyPr wrap="square" rtlCol="0">
+            <a:spAutoFit/>
+          </a:bodyPr>
+          <a:lstStyle/>
+          <a:p>
+            <a:r>
+              <a:rPr lang="en-US" sz="2800" dirty="0"/>
+              <a:t>If this were true, we could sample the initial distribution and integrate it with any ODE solver to obtain samples from the target distribution</a:t>
+            </a:r>
+          </a:p>
+        </p:txBody>
+      </p:sp>
+    </p:spTree>
+    <p:extLst>
+      <p:ext uri="{BB962C8B-B14F-4D97-AF65-F5344CB8AC3E}">
+        <p14:creationId xmlns:p14="http://schemas.microsoft.com/office/powerpoint/2010/main" val="4158893139"/>
+      </p:ext>
+    </p:extLst>
+  </p:cSld>
+  <p:clrMapOvr>
+    <a:masterClrMapping/>
+  </p:clrMapOvr>
+  <p:timing>
+    <p:tnLst>
+      <p:par>
+        <p:cTn id="1" dur="indefinite" restart="never" nodeType="tmRoot">
+          <p:childTnLst>
+            <p:seq concurrent="1" nextAc="seek">
+              <p:cTn id="2" dur="indefinite" nodeType="mainSeq">
+                <p:childTnLst>
+                  <p:par>
+                    <p:cTn id="3" fill="hold">
+                      <p:stCondLst>
+                        <p:cond delay="indefinite"/>
+                      </p:stCondLst>
+                      <p:childTnLst>
+                        <p:par>
+                          <p:cTn id="4" fill="hold">
+                            <p:stCondLst>
+                              <p:cond delay="0"/>
+                            </p:stCondLst>
+                            <p:childTnLst>
+                              <p:par>
+                                <p:cTn id="5" presetID="1" presetClass="entr" presetSubtype="0" fill="hold" grpId="0" nodeType="clickEffect">
+                                  <p:stCondLst>
+                                    <p:cond delay="0"/>
+                                  </p:stCondLst>
+                                  <p:childTnLst>
+                                    <p:set>
+                                      <p:cBhvr>
+                                        <p:cTn id="6" dur="1" fill="hold">
+                                          <p:stCondLst>
+                                            <p:cond delay="0"/>
+                                          </p:stCondLst>
+                                        </p:cTn>
+                                        <p:tgtEl>
+                                          <p:spTgt spid="5"/>
+                                        </p:tgtEl>
+                                        <p:attrNameLst>
+                                          <p:attrName>style.visibility</p:attrName>
+                                        </p:attrNameLst>
+                                      </p:cBhvr>
+                                      <p:to>
+                                        <p:strVal val="visible"/>
+                                      </p:to>
+                                    </p:set>
+                                  </p:childTnLst>
+                                </p:cTn>
+                              </p:par>
+                            </p:childTnLst>
+                          </p:cTn>
+                        </p:par>
+                      </p:childTnLst>
+                    </p:cTn>
+                  </p:par>
+                  <p:par>
+                    <p:cTn id="7" fill="hold">
+                      <p:stCondLst>
+                        <p:cond delay="indefinite"/>
+                      </p:stCondLst>
+                      <p:childTnLst>
+                        <p:par>
+                          <p:cTn id="8" fill="hold">
+                            <p:stCondLst>
+                              <p:cond delay="0"/>
+                            </p:stCondLst>
+                            <p:childTnLst>
+                              <p:par>
+                                <p:cTn id="9" presetID="1" presetClass="entr" presetSubtype="0" fill="hold" nodeType="clickEffect">
+                                  <p:stCondLst>
+                                    <p:cond delay="0"/>
+                                  </p:stCondLst>
+                                  <p:childTnLst>
+                                    <p:set>
+                                      <p:cBhvr>
+                                        <p:cTn id="10" dur="1" fill="hold">
+                                          <p:stCondLst>
+                                            <p:cond delay="0"/>
+                                          </p:stCondLst>
+                                        </p:cTn>
+                                        <p:tgtEl>
+                                          <p:spTgt spid="7"/>
+                                        </p:tgtEl>
+                                        <p:attrNameLst>
+                                          <p:attrName>style.visibility</p:attrName>
+                                        </p:attrNameLst>
+                                      </p:cBhvr>
+                                      <p:to>
+                                        <p:strVal val="visible"/>
+                                      </p:to>
+                                    </p:set>
+                                  </p:childTnLst>
+                                </p:cTn>
+                              </p:par>
+                              <p:par>
+                                <p:cTn id="11" presetID="1" presetClass="entr" presetSubtype="0" fill="hold" nodeType="withEffect">
+                                  <p:stCondLst>
+                                    <p:cond delay="0"/>
+                                  </p:stCondLst>
+                                  <p:childTnLst>
+                                    <p:set>
+                                      <p:cBhvr>
+                                        <p:cTn id="12" dur="1" fill="hold">
+                                          <p:stCondLst>
+                                            <p:cond delay="0"/>
+                                          </p:stCondLst>
+                                        </p:cTn>
+                                        <p:tgtEl>
+                                          <p:spTgt spid="6"/>
+                                        </p:tgtEl>
+                                        <p:attrNameLst>
+                                          <p:attrName>style.visibility</p:attrName>
+                                        </p:attrNameLst>
+                                      </p:cBhvr>
+                                      <p:to>
+                                        <p:strVal val="visible"/>
+                                      </p:to>
+                                    </p:set>
+                                  </p:childTnLst>
+                                </p:cTn>
+                              </p:par>
+                            </p:childTnLst>
+                          </p:cTn>
+                        </p:par>
+                      </p:childTnLst>
+                    </p:cTn>
+                  </p:par>
+                  <p:par>
+                    <p:cTn id="13" fill="hold">
+                      <p:stCondLst>
+                        <p:cond delay="indefinite"/>
+                      </p:stCondLst>
+                      <p:childTnLst>
+                        <p:par>
+                          <p:cTn id="14" fill="hold">
+                            <p:stCondLst>
+                              <p:cond delay="0"/>
+                            </p:stCondLst>
+                            <p:childTnLst>
+                              <p:par>
+                                <p:cTn id="15" presetID="1" presetClass="entr" presetSubtype="0" fill="hold" grpId="0" nodeType="clickEffect">
+                                  <p:stCondLst>
+                                    <p:cond delay="0"/>
+                                  </p:stCondLst>
+                                  <p:childTnLst>
+                                    <p:set>
+                                      <p:cBhvr>
+                                        <p:cTn id="16" dur="1" fill="hold">
+                                          <p:stCondLst>
+                                            <p:cond delay="0"/>
+                                          </p:stCondLst>
+                                        </p:cTn>
+                                        <p:tgtEl>
+                                          <p:spTgt spid="8"/>
+                                        </p:tgtEl>
+                                        <p:attrNameLst>
+                                          <p:attrName>style.visibility</p:attrName>
+                                        </p:attrNameLst>
+                                      </p:cBhvr>
+                                      <p:to>
+                                        <p:strVal val="visible"/>
+                                      </p:to>
+                                    </p:set>
+                                  </p:childTnLst>
+                                </p:cTn>
+                              </p:par>
+                            </p:childTnLst>
+                          </p:cTn>
+                        </p:par>
+                      </p:childTnLst>
+                    </p:cTn>
+                  </p:par>
+                </p:childTnLst>
+              </p:cTn>
+              <p:prevCondLst>
+                <p:cond evt="onPrev" delay="0">
+                  <p:tgtEl>
+                    <p:sldTgt/>
+                  </p:tgtEl>
+                </p:cond>
+              </p:prevCondLst>
+              <p:nextCondLst>
+                <p:cond evt="onNext" delay="0">
+                  <p:tgtEl>
+                    <p:sldTgt/>
+                  </p:tgtEl>
+                </p:cond>
+              </p:nextCondLst>
+            </p:seq>
+          </p:childTnLst>
+        </p:cTn>
+      </p:par>
+    </p:tnLst>
+    <p:bldLst>
+      <p:bldP spid="5" grpId="0"/>
+      <p:bldP spid="8" grpId="0"/>
+    </p:bldLst>
+  </p:timing>
+</p:sld>
+</file>
+
+<file path=ppt/slides/slide16.xml><?xml version="1.0" encoding="utf-8"?>
+<p:sld xmlns:a="http://schemas.openxmlformats.org/drawingml/2006/main" xmlns:r="http://schemas.openxmlformats.org/officeDocument/2006/relationships" xmlns:p="http://schemas.openxmlformats.org/presentationml/2006/main">
+  <p:cSld>
+    <p:spTree>
+      <p:nvGrpSpPr>
+        <p:cNvPr id="1" name=""/>
+        <p:cNvGrpSpPr/>
+        <p:nvPr/>
+      </p:nvGrpSpPr>
+      <p:grpSpPr>
+        <a:xfrm>
+          <a:off x="0" y="0"/>
+          <a:ext cx="0" cy="0"/>
+          <a:chOff x="0" y="0"/>
+          <a:chExt cx="0" cy="0"/>
+        </a:xfrm>
+      </p:grpSpPr>
+      <p:sp>
+        <p:nvSpPr>
+          <p:cNvPr id="2" name="Title 1">
+            <a:extLst>
+              <a:ext uri="{FF2B5EF4-FFF2-40B4-BE49-F238E27FC236}">
+                <a16:creationId xmlns:a16="http://schemas.microsoft.com/office/drawing/2014/main" id="{1DA6CC17-54DC-35CA-5038-9990CAA2F843}"/>
+              </a:ext>
+            </a:extLst>
+          </p:cNvPr>
+          <p:cNvSpPr>
+            <a:spLocks noGrp="1"/>
+          </p:cNvSpPr>
+          <p:nvPr>
+            <p:ph type="title"/>
+          </p:nvPr>
+        </p:nvSpPr>
+        <p:spPr/>
+        <p:txBody>
+          <a:bodyPr/>
+          <a:lstStyle/>
+          <a:p>
+            <a:r>
+              <a:rPr lang="en-US" dirty="0"/>
+              <a:t>Regressing to the true vector field</a:t>
+            </a:r>
+          </a:p>
+        </p:txBody>
+      </p:sp>
+      <p:pic>
+        <p:nvPicPr>
+          <p:cNvPr id="6" name="Picture 5">
+            <a:extLst>
+              <a:ext uri="{FF2B5EF4-FFF2-40B4-BE49-F238E27FC236}">
+                <a16:creationId xmlns:a16="http://schemas.microsoft.com/office/drawing/2014/main" id="{42CD29D8-DFED-E291-58DA-7E9222B49F69}"/>
+              </a:ext>
+            </a:extLst>
+          </p:cNvPr>
+          <p:cNvPicPr>
+            <a:picLocks noChangeAspect="1"/>
+          </p:cNvPicPr>
+          <p:nvPr/>
+        </p:nvPicPr>
+        <p:blipFill rotWithShape="1">
+          <a:blip r:embed="rId2"/>
+          <a:srcRect t="23607" r="69827"/>
+          <a:stretch/>
+        </p:blipFill>
+        <p:spPr>
+          <a:xfrm>
+            <a:off x="5712626" y="1966038"/>
+            <a:ext cx="1346957" cy="725199"/>
+          </a:xfrm>
+          <a:prstGeom prst="rect">
+            <a:avLst/>
+          </a:prstGeom>
+        </p:spPr>
+      </p:pic>
+      <p:pic>
+        <p:nvPicPr>
+          <p:cNvPr id="7" name="Picture 6">
+            <a:extLst>
+              <a:ext uri="{FF2B5EF4-FFF2-40B4-BE49-F238E27FC236}">
+                <a16:creationId xmlns:a16="http://schemas.microsoft.com/office/drawing/2014/main" id="{F73306D9-C048-CD42-8F7E-920E514E096E}"/>
+              </a:ext>
+            </a:extLst>
+          </p:cNvPr>
+          <p:cNvPicPr>
+            <a:picLocks noChangeAspect="1"/>
+          </p:cNvPicPr>
+          <p:nvPr/>
+        </p:nvPicPr>
+        <p:blipFill rotWithShape="1">
+          <a:blip r:embed="rId3"/>
+          <a:srcRect l="2124" t="27750" r="76548" b="22689"/>
+          <a:stretch/>
+        </p:blipFill>
+        <p:spPr>
+          <a:xfrm>
+            <a:off x="3453213" y="1966038"/>
+            <a:ext cx="1346957" cy="967931"/>
+          </a:xfrm>
+          <a:prstGeom prst="rect">
+            <a:avLst/>
+          </a:prstGeom>
+        </p:spPr>
+      </p:pic>
+      <p:sp>
+        <p:nvSpPr>
+          <p:cNvPr id="3" name="TextBox 2">
+            <a:extLst>
+              <a:ext uri="{FF2B5EF4-FFF2-40B4-BE49-F238E27FC236}">
+                <a16:creationId xmlns:a16="http://schemas.microsoft.com/office/drawing/2014/main" id="{36B36430-B2CD-BCD4-7B0E-48AB43C1E313}"/>
+              </a:ext>
+            </a:extLst>
+          </p:cNvPr>
+          <p:cNvSpPr txBox="1"/>
+          <p:nvPr/>
+        </p:nvSpPr>
+        <p:spPr>
+          <a:xfrm>
+            <a:off x="838200" y="1522518"/>
+            <a:ext cx="9410268" cy="523220"/>
+          </a:xfrm>
+          <a:prstGeom prst="rect">
+            <a:avLst/>
+          </a:prstGeom>
+          <a:noFill/>
+        </p:spPr>
+        <p:txBody>
+          <a:bodyPr wrap="none" rtlCol="0">
+            <a:spAutoFit/>
+          </a:bodyPr>
+          <a:lstStyle/>
+          <a:p>
+            <a:r>
+              <a:rPr lang="en-US" sz="2800" dirty="0"/>
+              <a:t>Lets pretend that we have access to these functions, somehow:</a:t>
+            </a:r>
+          </a:p>
+        </p:txBody>
+      </p:sp>
+      <p:sp>
+        <p:nvSpPr>
+          <p:cNvPr id="9" name="TextBox 8">
+            <a:extLst>
+              <a:ext uri="{FF2B5EF4-FFF2-40B4-BE49-F238E27FC236}">
+                <a16:creationId xmlns:a16="http://schemas.microsoft.com/office/drawing/2014/main" id="{E04AB47F-A10F-51FE-AAC3-714365FAE787}"/>
+              </a:ext>
+            </a:extLst>
+          </p:cNvPr>
+          <p:cNvSpPr txBox="1"/>
+          <p:nvPr/>
+        </p:nvSpPr>
+        <p:spPr>
+          <a:xfrm>
+            <a:off x="882434" y="3002703"/>
+            <a:ext cx="9975632" cy="954107"/>
+          </a:xfrm>
+          <a:prstGeom prst="rect">
+            <a:avLst/>
+          </a:prstGeom>
+          <a:noFill/>
+        </p:spPr>
+        <p:txBody>
+          <a:bodyPr wrap="square" rtlCol="0">
+            <a:spAutoFit/>
+          </a:bodyPr>
+          <a:lstStyle/>
+          <a:p>
+            <a:r>
+              <a:rPr lang="en-US" sz="2800" dirty="0"/>
+              <a:t>We could train a NN to approximate this process by minimizing the following loss:</a:t>
+            </a:r>
+          </a:p>
+        </p:txBody>
+      </p:sp>
+      <p:pic>
+        <p:nvPicPr>
+          <p:cNvPr id="10" name="Picture 9">
+            <a:extLst>
+              <a:ext uri="{FF2B5EF4-FFF2-40B4-BE49-F238E27FC236}">
+                <a16:creationId xmlns:a16="http://schemas.microsoft.com/office/drawing/2014/main" id="{1D469948-0285-4EFF-5717-EAF9BF86CB3F}"/>
+              </a:ext>
+            </a:extLst>
+          </p:cNvPr>
+          <p:cNvPicPr>
+            <a:picLocks noChangeAspect="1"/>
+          </p:cNvPicPr>
+          <p:nvPr/>
+        </p:nvPicPr>
+        <p:blipFill>
+          <a:blip r:embed="rId4"/>
+          <a:stretch>
+            <a:fillRect/>
+          </a:stretch>
+        </p:blipFill>
+        <p:spPr>
+          <a:xfrm>
+            <a:off x="1314502" y="4025544"/>
+            <a:ext cx="9893195" cy="954107"/>
+          </a:xfrm>
+          <a:prstGeom prst="rect">
+            <a:avLst/>
+          </a:prstGeom>
+        </p:spPr>
+      </p:pic>
+      <p:sp>
+        <p:nvSpPr>
+          <p:cNvPr id="11" name="TextBox 10">
+            <a:extLst>
+              <a:ext uri="{FF2B5EF4-FFF2-40B4-BE49-F238E27FC236}">
+                <a16:creationId xmlns:a16="http://schemas.microsoft.com/office/drawing/2014/main" id="{CE3A7C0B-FC7C-9DC2-F37E-8452F72A27AD}"/>
+              </a:ext>
+            </a:extLst>
+          </p:cNvPr>
+          <p:cNvSpPr txBox="1"/>
+          <p:nvPr/>
+        </p:nvSpPr>
+        <p:spPr>
+          <a:xfrm>
+            <a:off x="838200" y="5230369"/>
+            <a:ext cx="9975632" cy="1077218"/>
+          </a:xfrm>
+          <a:prstGeom prst="rect">
+            <a:avLst/>
+          </a:prstGeom>
+          <a:noFill/>
+        </p:spPr>
+        <p:txBody>
+          <a:bodyPr wrap="square" rtlCol="0">
+            <a:spAutoFit/>
+          </a:bodyPr>
+          <a:lstStyle/>
+          <a:p>
+            <a:r>
+              <a:rPr lang="en-US" sz="3200" b="1" dirty="0"/>
+              <a:t>Problem: </a:t>
+            </a:r>
+            <a:r>
+              <a:rPr lang="en-US" sz="3200" dirty="0"/>
+              <a:t>for complex terminal distributions   .        and            are intractable</a:t>
+            </a:r>
+            <a:endParaRPr lang="en-US" sz="3200" b="1" dirty="0"/>
+          </a:p>
+        </p:txBody>
+      </p:sp>
+      <p:pic>
+        <p:nvPicPr>
+          <p:cNvPr id="12" name="Picture 11">
+            <a:extLst>
+              <a:ext uri="{FF2B5EF4-FFF2-40B4-BE49-F238E27FC236}">
+                <a16:creationId xmlns:a16="http://schemas.microsoft.com/office/drawing/2014/main" id="{D950F319-3A9F-66BB-DB5B-60D17995F7A3}"/>
+              </a:ext>
+            </a:extLst>
+          </p:cNvPr>
+          <p:cNvPicPr>
+            <a:picLocks noChangeAspect="1"/>
+          </p:cNvPicPr>
+          <p:nvPr/>
+        </p:nvPicPr>
+        <p:blipFill rotWithShape="1">
+          <a:blip r:embed="rId3"/>
+          <a:srcRect l="2124" t="27750" r="76548" b="22689"/>
+          <a:stretch/>
+        </p:blipFill>
+        <p:spPr>
+          <a:xfrm>
+            <a:off x="8291483" y="5268825"/>
+            <a:ext cx="814417" cy="585245"/>
+          </a:xfrm>
+          <a:prstGeom prst="rect">
+            <a:avLst/>
+          </a:prstGeom>
+        </p:spPr>
+      </p:pic>
+      <p:pic>
+        <p:nvPicPr>
+          <p:cNvPr id="13" name="Picture 12">
+            <a:extLst>
+              <a:ext uri="{FF2B5EF4-FFF2-40B4-BE49-F238E27FC236}">
+                <a16:creationId xmlns:a16="http://schemas.microsoft.com/office/drawing/2014/main" id="{5C4BED8F-8FA7-9DD2-BC2E-9CE11426BF81}"/>
+              </a:ext>
+            </a:extLst>
+          </p:cNvPr>
+          <p:cNvPicPr>
+            <a:picLocks noChangeAspect="1"/>
+          </p:cNvPicPr>
+          <p:nvPr/>
+        </p:nvPicPr>
+        <p:blipFill rotWithShape="1">
+          <a:blip r:embed="rId2"/>
+          <a:srcRect t="23607" r="69827"/>
+          <a:stretch/>
+        </p:blipFill>
+        <p:spPr>
+          <a:xfrm>
+            <a:off x="10028034" y="5230369"/>
+            <a:ext cx="1093176" cy="588564"/>
+          </a:xfrm>
+          <a:prstGeom prst="rect">
+            <a:avLst/>
+          </a:prstGeom>
+        </p:spPr>
+      </p:pic>
+    </p:spTree>
+    <p:extLst>
+      <p:ext uri="{BB962C8B-B14F-4D97-AF65-F5344CB8AC3E}">
+        <p14:creationId xmlns:p14="http://schemas.microsoft.com/office/powerpoint/2010/main" val="1326926686"/>
+      </p:ext>
+    </p:extLst>
+  </p:cSld>
+  <p:clrMapOvr>
+    <a:masterClrMapping/>
+  </p:clrMapOvr>
+  <p:timing>
+    <p:tnLst>
+      <p:par>
+        <p:cTn id="1" dur="indefinite" restart="never" nodeType="tmRoot">
+          <p:childTnLst>
+            <p:seq concurrent="1" nextAc="seek">
+              <p:cTn id="2" dur="indefinite" nodeType="mainSeq">
+                <p:childTnLst>
+                  <p:par>
+                    <p:cTn id="3" fill="hold">
+                      <p:stCondLst>
+                        <p:cond delay="indefinite"/>
+                      </p:stCondLst>
+                      <p:childTnLst>
+                        <p:par>
+                          <p:cTn id="4" fill="hold">
+                            <p:stCondLst>
+                              <p:cond delay="0"/>
+                            </p:stCondLst>
+                            <p:childTnLst>
+                              <p:par>
+                                <p:cTn id="5" presetID="1" presetClass="entr" presetSubtype="0" fill="hold" grpId="0" nodeType="clickEffect">
+                                  <p:stCondLst>
+                                    <p:cond delay="0"/>
+                                  </p:stCondLst>
+                                  <p:childTnLst>
+                                    <p:set>
+                                      <p:cBhvr>
+                                        <p:cTn id="6" dur="1" fill="hold">
+                                          <p:stCondLst>
+                                            <p:cond delay="0"/>
+                                          </p:stCondLst>
+                                        </p:cTn>
+                                        <p:tgtEl>
+                                          <p:spTgt spid="9"/>
+                                        </p:tgtEl>
+                                        <p:attrNameLst>
+                                          <p:attrName>style.visibility</p:attrName>
+                                        </p:attrNameLst>
+                                      </p:cBhvr>
+                                      <p:to>
+                                        <p:strVal val="visible"/>
+                                      </p:to>
+                                    </p:set>
+                                  </p:childTnLst>
+                                </p:cTn>
+                              </p:par>
+                              <p:par>
+                                <p:cTn id="7" presetID="1" presetClass="entr" presetSubtype="0" fill="hold" nodeType="withEffect">
+                                  <p:stCondLst>
+                                    <p:cond delay="0"/>
+                                  </p:stCondLst>
+                                  <p:childTnLst>
+                                    <p:set>
+                                      <p:cBhvr>
+                                        <p:cTn id="8" dur="1" fill="hold">
+                                          <p:stCondLst>
+                                            <p:cond delay="0"/>
+                                          </p:stCondLst>
+                                        </p:cTn>
+                                        <p:tgtEl>
+                                          <p:spTgt spid="10"/>
+                                        </p:tgtEl>
+                                        <p:attrNameLst>
+                                          <p:attrName>style.visibility</p:attrName>
+                                        </p:attrNameLst>
+                                      </p:cBhvr>
+                                      <p:to>
+                                        <p:strVal val="visible"/>
+                                      </p:to>
+                                    </p:set>
+                                  </p:childTnLst>
+                                </p:cTn>
+                              </p:par>
+                            </p:childTnLst>
+                          </p:cTn>
+                        </p:par>
+                      </p:childTnLst>
+                    </p:cTn>
+                  </p:par>
+                  <p:par>
+                    <p:cTn id="9" fill="hold">
+                      <p:stCondLst>
+                        <p:cond delay="indefinite"/>
+                      </p:stCondLst>
+                      <p:childTnLst>
+                        <p:par>
+                          <p:cTn id="10" fill="hold">
+                            <p:stCondLst>
+                              <p:cond delay="0"/>
+                            </p:stCondLst>
+                            <p:childTnLst>
+                              <p:par>
+                                <p:cTn id="11" presetID="1" presetClass="entr" presetSubtype="0" fill="hold" grpId="0" nodeType="clickEffect">
+                                  <p:stCondLst>
+                                    <p:cond delay="0"/>
+                                  </p:stCondLst>
+                                  <p:childTnLst>
+                                    <p:set>
+                                      <p:cBhvr>
+                                        <p:cTn id="12" dur="1" fill="hold">
+                                          <p:stCondLst>
+                                            <p:cond delay="0"/>
+                                          </p:stCondLst>
+                                        </p:cTn>
+                                        <p:tgtEl>
+                                          <p:spTgt spid="11"/>
+                                        </p:tgtEl>
+                                        <p:attrNameLst>
+                                          <p:attrName>style.visibility</p:attrName>
+                                        </p:attrNameLst>
+                                      </p:cBhvr>
+                                      <p:to>
+                                        <p:strVal val="visible"/>
+                                      </p:to>
+                                    </p:set>
+                                  </p:childTnLst>
+                                </p:cTn>
+                              </p:par>
+                              <p:par>
+                                <p:cTn id="13" presetID="1" presetClass="entr" presetSubtype="0" fill="hold" nodeType="withEffect">
+                                  <p:stCondLst>
+                                    <p:cond delay="0"/>
+                                  </p:stCondLst>
+                                  <p:childTnLst>
+                                    <p:set>
+                                      <p:cBhvr>
+                                        <p:cTn id="14" dur="1" fill="hold">
+                                          <p:stCondLst>
+                                            <p:cond delay="0"/>
+                                          </p:stCondLst>
+                                        </p:cTn>
+                                        <p:tgtEl>
+                                          <p:spTgt spid="12"/>
+                                        </p:tgtEl>
+                                        <p:attrNameLst>
+                                          <p:attrName>style.visibility</p:attrName>
+                                        </p:attrNameLst>
+                                      </p:cBhvr>
+                                      <p:to>
+                                        <p:strVal val="visible"/>
+                                      </p:to>
+                                    </p:set>
+                                  </p:childTnLst>
+                                </p:cTn>
+                              </p:par>
+                              <p:par>
+                                <p:cTn id="15" presetID="1" presetClass="entr" presetSubtype="0" fill="hold" nodeType="withEffect">
+                                  <p:stCondLst>
+                                    <p:cond delay="0"/>
+                                  </p:stCondLst>
+                                  <p:childTnLst>
+                                    <p:set>
+                                      <p:cBhvr>
+                                        <p:cTn id="16" dur="1" fill="hold">
+                                          <p:stCondLst>
+                                            <p:cond delay="0"/>
+                                          </p:stCondLst>
+                                        </p:cTn>
+                                        <p:tgtEl>
+                                          <p:spTgt spid="13"/>
+                                        </p:tgtEl>
+                                        <p:attrNameLst>
+                                          <p:attrName>style.visibility</p:attrName>
+                                        </p:attrNameLst>
+                                      </p:cBhvr>
+                                      <p:to>
+                                        <p:strVal val="visible"/>
+                                      </p:to>
+                                    </p:set>
+                                  </p:childTnLst>
+                                </p:cTn>
+                              </p:par>
+                            </p:childTnLst>
+                          </p:cTn>
+                        </p:par>
+                      </p:childTnLst>
+                    </p:cTn>
+                  </p:par>
+                </p:childTnLst>
+              </p:cTn>
+              <p:prevCondLst>
+                <p:cond evt="onPrev" delay="0">
+                  <p:tgtEl>
+                    <p:sldTgt/>
+                  </p:tgtEl>
+                </p:cond>
+              </p:prevCondLst>
+              <p:nextCondLst>
+                <p:cond evt="onNext" delay="0">
+                  <p:tgtEl>
+                    <p:sldTgt/>
+                  </p:tgtEl>
+                </p:cond>
+              </p:nextCondLst>
+            </p:seq>
+          </p:childTnLst>
+        </p:cTn>
+      </p:par>
+    </p:tnLst>
+    <p:bldLst>
+      <p:bldP spid="9" grpId="0"/>
+      <p:bldP spid="11" grpId="0"/>
+    </p:bldLst>
+  </p:timing>
+</p:sld>
+</file>
+
+<file path=ppt/slides/slide17.xml><?xml version="1.0" encoding="utf-8"?>
+<p:sld xmlns:a="http://schemas.openxmlformats.org/drawingml/2006/main" xmlns:r="http://schemas.openxmlformats.org/officeDocument/2006/relationships" xmlns:p="http://schemas.openxmlformats.org/presentationml/2006/main">
+  <p:cSld>
+    <p:spTree>
+      <p:nvGrpSpPr>
+        <p:cNvPr id="1" name=""/>
+        <p:cNvGrpSpPr/>
+        <p:nvPr/>
+      </p:nvGrpSpPr>
+      <p:grpSpPr>
+        <a:xfrm>
+          <a:off x="0" y="0"/>
+          <a:ext cx="0" cy="0"/>
+          <a:chOff x="0" y="0"/>
+          <a:chExt cx="0" cy="0"/>
+        </a:xfrm>
+      </p:grpSpPr>
+      <p:sp>
+        <p:nvSpPr>
+          <p:cNvPr id="2" name="Title 1">
+            <a:extLst>
+              <a:ext uri="{FF2B5EF4-FFF2-40B4-BE49-F238E27FC236}">
+                <a16:creationId xmlns:a16="http://schemas.microsoft.com/office/drawing/2014/main" id="{F642D644-5697-9E4E-EE5D-0430B49FB235}"/>
+              </a:ext>
+            </a:extLst>
+          </p:cNvPr>
+          <p:cNvSpPr>
+            <a:spLocks noGrp="1"/>
+          </p:cNvSpPr>
+          <p:nvPr>
+            <p:ph type="title"/>
+          </p:nvPr>
+        </p:nvSpPr>
+        <p:spPr/>
+        <p:txBody>
+          <a:bodyPr/>
+          <a:lstStyle/>
+          <a:p>
+            <a:r>
+              <a:rPr lang="en-US" dirty="0"/>
+              <a:t>Enter: Conditional Vector Fields &amp; Marginals</a:t>
+            </a:r>
+          </a:p>
+        </p:txBody>
+      </p:sp>
+      <p:sp>
+        <p:nvSpPr>
+          <p:cNvPr id="3" name="TextBox 2">
+            <a:extLst>
+              <a:ext uri="{FF2B5EF4-FFF2-40B4-BE49-F238E27FC236}">
+                <a16:creationId xmlns:a16="http://schemas.microsoft.com/office/drawing/2014/main" id="{40AACDD8-E3AF-CEBF-E313-AC13874C89E2}"/>
+              </a:ext>
+            </a:extLst>
+          </p:cNvPr>
+          <p:cNvSpPr txBox="1"/>
+          <p:nvPr/>
+        </p:nvSpPr>
+        <p:spPr>
+          <a:xfrm>
+            <a:off x="1384300" y="1690688"/>
+            <a:ext cx="9223231" cy="954107"/>
+          </a:xfrm>
+          <a:prstGeom prst="rect">
+            <a:avLst/>
+          </a:prstGeom>
+          <a:noFill/>
+        </p:spPr>
+        <p:txBody>
+          <a:bodyPr wrap="none" rtlCol="0">
+            <a:spAutoFit/>
+          </a:bodyPr>
+          <a:lstStyle/>
+          <a:p>
+            <a:r>
+              <a:rPr lang="en-US" sz="2800" dirty="0"/>
+              <a:t>Imagine a latent variable z                 which is correlated with </a:t>
+            </a:r>
+            <a:r>
+              <a:rPr lang="en-US" sz="2800" dirty="0" err="1"/>
+              <a:t>xt</a:t>
+            </a:r>
+            <a:endParaRPr lang="en-US" sz="2800" dirty="0"/>
+          </a:p>
+          <a:p>
+            <a:endParaRPr lang="en-US" sz="2800" dirty="0"/>
+          </a:p>
+        </p:txBody>
+      </p:sp>
+      <p:sp>
+        <p:nvSpPr>
+          <p:cNvPr id="5" name="TextBox 4">
+            <a:extLst>
+              <a:ext uri="{FF2B5EF4-FFF2-40B4-BE49-F238E27FC236}">
+                <a16:creationId xmlns:a16="http://schemas.microsoft.com/office/drawing/2014/main" id="{BD009E13-85E7-117B-877C-E4F6BB9C6C60}"/>
+              </a:ext>
+            </a:extLst>
+          </p:cNvPr>
+          <p:cNvSpPr txBox="1"/>
+          <p:nvPr/>
+        </p:nvSpPr>
+        <p:spPr>
+          <a:xfrm>
+            <a:off x="1384300" y="2398575"/>
+            <a:ext cx="9118600" cy="830997"/>
+          </a:xfrm>
+          <a:prstGeom prst="rect">
+            <a:avLst/>
+          </a:prstGeom>
+          <a:noFill/>
+        </p:spPr>
+        <p:txBody>
+          <a:bodyPr wrap="square">
+            <a:spAutoFit/>
+          </a:bodyPr>
+          <a:lstStyle/>
+          <a:p>
+            <a:r>
+              <a:rPr lang="en-US" sz="2400" dirty="0"/>
+              <a:t>Conditioning on z therefore influences the vector fields and probability paths observed for x</a:t>
+            </a:r>
+          </a:p>
+        </p:txBody>
+      </p:sp>
+      <p:pic>
+        <p:nvPicPr>
+          <p:cNvPr id="6" name="Picture 5">
+            <a:extLst>
+              <a:ext uri="{FF2B5EF4-FFF2-40B4-BE49-F238E27FC236}">
+                <a16:creationId xmlns:a16="http://schemas.microsoft.com/office/drawing/2014/main" id="{2D59662E-D58F-2AAC-5852-081140C77CB6}"/>
+              </a:ext>
+            </a:extLst>
+          </p:cNvPr>
+          <p:cNvPicPr>
+            <a:picLocks noChangeAspect="1"/>
+          </p:cNvPicPr>
+          <p:nvPr/>
+        </p:nvPicPr>
+        <p:blipFill>
+          <a:blip r:embed="rId2"/>
+          <a:stretch>
+            <a:fillRect/>
+          </a:stretch>
+        </p:blipFill>
+        <p:spPr>
+          <a:xfrm>
+            <a:off x="2795020" y="3225766"/>
+            <a:ext cx="1532773" cy="828526"/>
+          </a:xfrm>
+          <a:prstGeom prst="rect">
+            <a:avLst/>
+          </a:prstGeom>
+        </p:spPr>
+      </p:pic>
+      <p:pic>
+        <p:nvPicPr>
+          <p:cNvPr id="7" name="Picture 6">
+            <a:extLst>
+              <a:ext uri="{FF2B5EF4-FFF2-40B4-BE49-F238E27FC236}">
+                <a16:creationId xmlns:a16="http://schemas.microsoft.com/office/drawing/2014/main" id="{A95C8219-5020-211B-EBD5-892AA45B2CD0}"/>
+              </a:ext>
+            </a:extLst>
+          </p:cNvPr>
+          <p:cNvPicPr>
+            <a:picLocks noChangeAspect="1"/>
+          </p:cNvPicPr>
+          <p:nvPr/>
+        </p:nvPicPr>
+        <p:blipFill>
+          <a:blip r:embed="rId3"/>
+          <a:stretch>
+            <a:fillRect/>
+          </a:stretch>
+        </p:blipFill>
+        <p:spPr>
+          <a:xfrm>
+            <a:off x="6096000" y="3352682"/>
+            <a:ext cx="1476644" cy="574694"/>
+          </a:xfrm>
+          <a:prstGeom prst="rect">
+            <a:avLst/>
+          </a:prstGeom>
+        </p:spPr>
+      </p:pic>
+      <p:sp>
+        <p:nvSpPr>
+          <p:cNvPr id="8" name="TextBox 7">
+            <a:extLst>
+              <a:ext uri="{FF2B5EF4-FFF2-40B4-BE49-F238E27FC236}">
+                <a16:creationId xmlns:a16="http://schemas.microsoft.com/office/drawing/2014/main" id="{433492F9-C46D-7872-BC42-165E5A9BC3EA}"/>
+              </a:ext>
+            </a:extLst>
+          </p:cNvPr>
+          <p:cNvSpPr txBox="1"/>
+          <p:nvPr/>
+        </p:nvSpPr>
+        <p:spPr>
+          <a:xfrm>
+            <a:off x="1384300" y="4063068"/>
+            <a:ext cx="9118600" cy="1200329"/>
+          </a:xfrm>
+          <a:prstGeom prst="rect">
+            <a:avLst/>
+          </a:prstGeom>
+          <a:noFill/>
+        </p:spPr>
+        <p:txBody>
+          <a:bodyPr wrap="square">
+            <a:spAutoFit/>
+          </a:bodyPr>
+          <a:lstStyle/>
+          <a:p>
+            <a:r>
+              <a:rPr lang="en-US" sz="2400" dirty="0"/>
+              <a:t>The unconditional probabilities and vector fields can be written as weighted combinations (mixtures) of conditional probabilities/vector fields</a:t>
+            </a:r>
+          </a:p>
+        </p:txBody>
+      </p:sp>
+      <p:pic>
+        <p:nvPicPr>
+          <p:cNvPr id="9" name="Picture 8">
+            <a:extLst>
+              <a:ext uri="{FF2B5EF4-FFF2-40B4-BE49-F238E27FC236}">
+                <a16:creationId xmlns:a16="http://schemas.microsoft.com/office/drawing/2014/main" id="{4FE86F7F-EC97-561E-61E6-BD82E7357328}"/>
+              </a:ext>
+            </a:extLst>
+          </p:cNvPr>
+          <p:cNvPicPr>
+            <a:picLocks noChangeAspect="1"/>
+          </p:cNvPicPr>
+          <p:nvPr/>
+        </p:nvPicPr>
+        <p:blipFill>
+          <a:blip r:embed="rId4"/>
+          <a:stretch>
+            <a:fillRect/>
+          </a:stretch>
+        </p:blipFill>
+        <p:spPr>
+          <a:xfrm>
+            <a:off x="5094215" y="1690688"/>
+            <a:ext cx="1502451" cy="563419"/>
+          </a:xfrm>
+          <a:prstGeom prst="rect">
+            <a:avLst/>
+          </a:prstGeom>
+        </p:spPr>
+      </p:pic>
+      <p:pic>
+        <p:nvPicPr>
+          <p:cNvPr id="10" name="Picture 9">
+            <a:extLst>
+              <a:ext uri="{FF2B5EF4-FFF2-40B4-BE49-F238E27FC236}">
+                <a16:creationId xmlns:a16="http://schemas.microsoft.com/office/drawing/2014/main" id="{E7398551-FFCD-ECC4-83BE-976CEC96FEE1}"/>
+              </a:ext>
+            </a:extLst>
+          </p:cNvPr>
+          <p:cNvPicPr>
+            <a:picLocks noChangeAspect="1"/>
+          </p:cNvPicPr>
+          <p:nvPr/>
+        </p:nvPicPr>
+        <p:blipFill>
+          <a:blip r:embed="rId5"/>
+          <a:stretch>
+            <a:fillRect/>
+          </a:stretch>
+        </p:blipFill>
+        <p:spPr>
+          <a:xfrm>
+            <a:off x="10129766" y="1775760"/>
+            <a:ext cx="477765" cy="412285"/>
+          </a:xfrm>
+          <a:prstGeom prst="rect">
+            <a:avLst/>
+          </a:prstGeom>
+        </p:spPr>
+      </p:pic>
+      <p:pic>
+        <p:nvPicPr>
+          <p:cNvPr id="11" name="Picture 10">
+            <a:extLst>
+              <a:ext uri="{FF2B5EF4-FFF2-40B4-BE49-F238E27FC236}">
+                <a16:creationId xmlns:a16="http://schemas.microsoft.com/office/drawing/2014/main" id="{33C098FE-773B-CEC0-BD4B-29BE95C36F3E}"/>
+              </a:ext>
+            </a:extLst>
+          </p:cNvPr>
+          <p:cNvPicPr>
+            <a:picLocks noChangeAspect="1"/>
+          </p:cNvPicPr>
+          <p:nvPr/>
+        </p:nvPicPr>
+        <p:blipFill>
+          <a:blip r:embed="rId6"/>
+          <a:stretch>
+            <a:fillRect/>
+          </a:stretch>
+        </p:blipFill>
+        <p:spPr>
+          <a:xfrm>
+            <a:off x="290801" y="5473373"/>
+            <a:ext cx="4803414" cy="1247040"/>
+          </a:xfrm>
+          <a:prstGeom prst="rect">
+            <a:avLst/>
+          </a:prstGeom>
+        </p:spPr>
+      </p:pic>
+      <p:pic>
+        <p:nvPicPr>
+          <p:cNvPr id="12" name="Picture 11">
+            <a:extLst>
+              <a:ext uri="{FF2B5EF4-FFF2-40B4-BE49-F238E27FC236}">
+                <a16:creationId xmlns:a16="http://schemas.microsoft.com/office/drawing/2014/main" id="{AEADFAFB-144A-8D1D-1F03-877DCBF25256}"/>
+              </a:ext>
+            </a:extLst>
+          </p:cNvPr>
+          <p:cNvPicPr>
+            <a:picLocks noChangeAspect="1"/>
+          </p:cNvPicPr>
+          <p:nvPr/>
+        </p:nvPicPr>
+        <p:blipFill>
+          <a:blip r:embed="rId7"/>
+          <a:stretch>
+            <a:fillRect/>
+          </a:stretch>
+        </p:blipFill>
+        <p:spPr>
+          <a:xfrm>
+            <a:off x="6596666" y="5441329"/>
+            <a:ext cx="5137193" cy="1279084"/>
+          </a:xfrm>
+          <a:prstGeom prst="rect">
+            <a:avLst/>
+          </a:prstGeom>
+        </p:spPr>
+      </p:pic>
+    </p:spTree>
+    <p:extLst>
+      <p:ext uri="{BB962C8B-B14F-4D97-AF65-F5344CB8AC3E}">
+        <p14:creationId xmlns:p14="http://schemas.microsoft.com/office/powerpoint/2010/main" val="256409650"/>
+      </p:ext>
+    </p:extLst>
+  </p:cSld>
+  <p:clrMapOvr>
+    <a:masterClrMapping/>
+  </p:clrMapOvr>
+  <p:timing>
+    <p:tnLst>
+      <p:par>
+        <p:cTn id="1" dur="indefinite" restart="never" nodeType="tmRoot">
+          <p:childTnLst>
+            <p:seq concurrent="1" nextAc="seek">
+              <p:cTn id="2" dur="indefinite" nodeType="mainSeq">
+                <p:childTnLst>
+                  <p:par>
+                    <p:cTn id="3" fill="hold">
+                      <p:stCondLst>
+                        <p:cond delay="indefinite"/>
+                      </p:stCondLst>
+                      <p:childTnLst>
+                        <p:par>
+                          <p:cTn id="4" fill="hold">
+                            <p:stCondLst>
+                              <p:cond delay="0"/>
+                            </p:stCondLst>
+                            <p:childTnLst>
+                              <p:par>
+                                <p:cTn id="5" presetID="1" presetClass="entr" presetSubtype="0" fill="hold" grpId="0" nodeType="clickEffect">
+                                  <p:stCondLst>
+                                    <p:cond delay="0"/>
+                                  </p:stCondLst>
+                                  <p:childTnLst>
+                                    <p:set>
+                                      <p:cBhvr>
+                                        <p:cTn id="6" dur="1" fill="hold">
+                                          <p:stCondLst>
+                                            <p:cond delay="0"/>
+                                          </p:stCondLst>
+                                        </p:cTn>
+                                        <p:tgtEl>
+                                          <p:spTgt spid="5"/>
+                                        </p:tgtEl>
+                                        <p:attrNameLst>
+                                          <p:attrName>style.visibility</p:attrName>
+                                        </p:attrNameLst>
+                                      </p:cBhvr>
+                                      <p:to>
+                                        <p:strVal val="visible"/>
+                                      </p:to>
+                                    </p:set>
+                                  </p:childTnLst>
+                                </p:cTn>
+                              </p:par>
+                            </p:childTnLst>
+                          </p:cTn>
+                        </p:par>
+                      </p:childTnLst>
+                    </p:cTn>
+                  </p:par>
+                  <p:par>
+                    <p:cTn id="7" fill="hold">
+                      <p:stCondLst>
+                        <p:cond delay="indefinite"/>
+                      </p:stCondLst>
+                      <p:childTnLst>
+                        <p:par>
+                          <p:cTn id="8" fill="hold">
+                            <p:stCondLst>
+                              <p:cond delay="0"/>
+                            </p:stCondLst>
+                            <p:childTnLst>
+                              <p:par>
+                                <p:cTn id="9" presetID="1" presetClass="entr" presetSubtype="0" fill="hold" nodeType="clickEffect">
+                                  <p:stCondLst>
+                                    <p:cond delay="0"/>
+                                  </p:stCondLst>
+                                  <p:childTnLst>
+                                    <p:set>
+                                      <p:cBhvr>
+                                        <p:cTn id="10" dur="1" fill="hold">
+                                          <p:stCondLst>
+                                            <p:cond delay="0"/>
+                                          </p:stCondLst>
+                                        </p:cTn>
+                                        <p:tgtEl>
+                                          <p:spTgt spid="6"/>
+                                        </p:tgtEl>
+                                        <p:attrNameLst>
+                                          <p:attrName>style.visibility</p:attrName>
+                                        </p:attrNameLst>
+                                      </p:cBhvr>
+                                      <p:to>
+                                        <p:strVal val="visible"/>
+                                      </p:to>
+                                    </p:set>
+                                  </p:childTnLst>
+                                </p:cTn>
+                              </p:par>
+                              <p:par>
+                                <p:cTn id="11" presetID="1" presetClass="entr" presetSubtype="0" fill="hold" nodeType="withEffect">
+                                  <p:stCondLst>
+                                    <p:cond delay="0"/>
+                                  </p:stCondLst>
+                                  <p:childTnLst>
+                                    <p:set>
+                                      <p:cBhvr>
+                                        <p:cTn id="12" dur="1" fill="hold">
+                                          <p:stCondLst>
+                                            <p:cond delay="0"/>
+                                          </p:stCondLst>
+                                        </p:cTn>
+                                        <p:tgtEl>
+                                          <p:spTgt spid="7"/>
+                                        </p:tgtEl>
+                                        <p:attrNameLst>
+                                          <p:attrName>style.visibility</p:attrName>
+                                        </p:attrNameLst>
+                                      </p:cBhvr>
+                                      <p:to>
+                                        <p:strVal val="visible"/>
+                                      </p:to>
+                                    </p:set>
+                                  </p:childTnLst>
+                                </p:cTn>
+                              </p:par>
+                            </p:childTnLst>
+                          </p:cTn>
+                        </p:par>
+                      </p:childTnLst>
+                    </p:cTn>
+                  </p:par>
+                  <p:par>
+                    <p:cTn id="13" fill="hold">
+                      <p:stCondLst>
+                        <p:cond delay="indefinite"/>
+                      </p:stCondLst>
+                      <p:childTnLst>
+                        <p:par>
+                          <p:cTn id="14" fill="hold">
+                            <p:stCondLst>
+                              <p:cond delay="0"/>
+                            </p:stCondLst>
+                            <p:childTnLst>
+                              <p:par>
+                                <p:cTn id="15" presetID="1" presetClass="entr" presetSubtype="0" fill="hold" grpId="0" nodeType="clickEffect">
+                                  <p:stCondLst>
+                                    <p:cond delay="0"/>
+                                  </p:stCondLst>
+                                  <p:childTnLst>
+                                    <p:set>
+                                      <p:cBhvr>
+                                        <p:cTn id="16" dur="1" fill="hold">
+                                          <p:stCondLst>
+                                            <p:cond delay="0"/>
+                                          </p:stCondLst>
+                                        </p:cTn>
+                                        <p:tgtEl>
+                                          <p:spTgt spid="8"/>
+                                        </p:tgtEl>
+                                        <p:attrNameLst>
+                                          <p:attrName>style.visibility</p:attrName>
+                                        </p:attrNameLst>
+                                      </p:cBhvr>
+                                      <p:to>
+                                        <p:strVal val="visible"/>
+                                      </p:to>
+                                    </p:set>
+                                  </p:childTnLst>
+                                </p:cTn>
+                              </p:par>
+                            </p:childTnLst>
+                          </p:cTn>
+                        </p:par>
+                      </p:childTnLst>
+                    </p:cTn>
+                  </p:par>
+                  <p:par>
+                    <p:cTn id="17" fill="hold">
+                      <p:stCondLst>
+                        <p:cond delay="indefinite"/>
+                      </p:stCondLst>
+                      <p:childTnLst>
+                        <p:par>
+                          <p:cTn id="18" fill="hold">
+                            <p:stCondLst>
+                              <p:cond delay="0"/>
+                            </p:stCondLst>
+                            <p:childTnLst>
+                              <p:par>
+                                <p:cTn id="19" presetID="1" presetClass="entr" presetSubtype="0" fill="hold" nodeType="clickEffect">
+                                  <p:stCondLst>
+                                    <p:cond delay="0"/>
+                                  </p:stCondLst>
+                                  <p:childTnLst>
+                                    <p:set>
+                                      <p:cBhvr>
+                                        <p:cTn id="20" dur="1" fill="hold">
+                                          <p:stCondLst>
+                                            <p:cond delay="0"/>
+                                          </p:stCondLst>
+                                        </p:cTn>
+                                        <p:tgtEl>
+                                          <p:spTgt spid="11"/>
+                                        </p:tgtEl>
+                                        <p:attrNameLst>
+                                          <p:attrName>style.visibility</p:attrName>
+                                        </p:attrNameLst>
+                                      </p:cBhvr>
+                                      <p:to>
+                                        <p:strVal val="visible"/>
+                                      </p:to>
+                                    </p:set>
+                                  </p:childTnLst>
+                                </p:cTn>
+                              </p:par>
+                            </p:childTnLst>
+                          </p:cTn>
+                        </p:par>
+                      </p:childTnLst>
+                    </p:cTn>
+                  </p:par>
+                  <p:par>
+                    <p:cTn id="21" fill="hold">
+                      <p:stCondLst>
+                        <p:cond delay="indefinite"/>
+                      </p:stCondLst>
+                      <p:childTnLst>
+                        <p:par>
+                          <p:cTn id="22" fill="hold">
+                            <p:stCondLst>
+                              <p:cond delay="0"/>
+                            </p:stCondLst>
+                            <p:childTnLst>
+                              <p:par>
+                                <p:cTn id="23" presetID="1" presetClass="entr" presetSubtype="0" fill="hold" nodeType="clickEffect">
+                                  <p:stCondLst>
+                                    <p:cond delay="0"/>
+                                  </p:stCondLst>
+                                  <p:childTnLst>
+                                    <p:set>
+                                      <p:cBhvr>
+                                        <p:cTn id="24" dur="1" fill="hold">
+                                          <p:stCondLst>
+                                            <p:cond delay="0"/>
+                                          </p:stCondLst>
+                                        </p:cTn>
+                                        <p:tgtEl>
+                                          <p:spTgt spid="12"/>
+                                        </p:tgtEl>
+                                        <p:attrNameLst>
+                                          <p:attrName>style.visibility</p:attrName>
+                                        </p:attrNameLst>
+                                      </p:cBhvr>
+                                      <p:to>
+                                        <p:strVal val="visible"/>
+                                      </p:to>
+                                    </p:set>
+                                  </p:childTnLst>
+                                </p:cTn>
+                              </p:par>
+                            </p:childTnLst>
+                          </p:cTn>
+                        </p:par>
+                      </p:childTnLst>
+                    </p:cTn>
+                  </p:par>
+                </p:childTnLst>
+              </p:cTn>
+              <p:prevCondLst>
+                <p:cond evt="onPrev" delay="0">
+                  <p:tgtEl>
+                    <p:sldTgt/>
+                  </p:tgtEl>
+                </p:cond>
+              </p:prevCondLst>
+              <p:nextCondLst>
+                <p:cond evt="onNext" delay="0">
+                  <p:tgtEl>
+                    <p:sldTgt/>
+                  </p:tgtEl>
+                </p:cond>
+              </p:nextCondLst>
+            </p:seq>
+          </p:childTnLst>
+        </p:cTn>
+      </p:par>
+    </p:tnLst>
+    <p:bldLst>
+      <p:bldP spid="5" grpId="0"/>
+      <p:bldP spid="8" grpId="0"/>
+    </p:bldLst>
+  </p:timing>
+</p:sld>
+</file>
+
+<file path=ppt/slides/slide18.xml><?xml version="1.0" encoding="utf-8"?>
+<p:sld xmlns:a="http://schemas.openxmlformats.org/drawingml/2006/main" xmlns:r="http://schemas.openxmlformats.org/officeDocument/2006/relationships" xmlns:p="http://schemas.openxmlformats.org/presentationml/2006/main">
+  <p:cSld>
+    <p:spTree>
+      <p:nvGrpSpPr>
+        <p:cNvPr id="1" name=""/>
+        <p:cNvGrpSpPr/>
+        <p:nvPr/>
+      </p:nvGrpSpPr>
+      <p:grpSpPr>
+        <a:xfrm>
+          <a:off x="0" y="0"/>
+          <a:ext cx="0" cy="0"/>
+          <a:chOff x="0" y="0"/>
+          <a:chExt cx="0" cy="0"/>
+        </a:xfrm>
+      </p:grpSpPr>
+      <p:sp>
+        <p:nvSpPr>
+          <p:cNvPr id="2" name="Title 1">
+            <a:extLst>
+              <a:ext uri="{FF2B5EF4-FFF2-40B4-BE49-F238E27FC236}">
+                <a16:creationId xmlns:a16="http://schemas.microsoft.com/office/drawing/2014/main" id="{37A54B5F-BB87-C32A-4437-C0239F9AD16F}"/>
+              </a:ext>
+            </a:extLst>
+          </p:cNvPr>
+          <p:cNvSpPr>
+            <a:spLocks noGrp="1"/>
+          </p:cNvSpPr>
+          <p:nvPr>
+            <p:ph type="title"/>
+          </p:nvPr>
+        </p:nvSpPr>
+        <p:spPr>
+          <a:xfrm>
+            <a:off x="838200" y="365125"/>
+            <a:ext cx="10604500" cy="1476375"/>
+          </a:xfrm>
+        </p:spPr>
+        <p:txBody>
+          <a:bodyPr>
+            <a:normAutofit fontScale="90000"/>
+          </a:bodyPr>
+          <a:lstStyle/>
+          <a:p>
+            <a:r>
+              <a:rPr lang="en-US" dirty="0"/>
+              <a:t>Approximating conditional vector fields is equivalent to approximating marginal vector fields</a:t>
+            </a:r>
+          </a:p>
+        </p:txBody>
+      </p:sp>
+      <p:pic>
+        <p:nvPicPr>
+          <p:cNvPr id="3" name="Picture 2">
+            <a:extLst>
+              <a:ext uri="{FF2B5EF4-FFF2-40B4-BE49-F238E27FC236}">
+                <a16:creationId xmlns:a16="http://schemas.microsoft.com/office/drawing/2014/main" id="{F6A7E8B0-8280-AF4B-3446-768B6D46E1C4}"/>
+              </a:ext>
+            </a:extLst>
+          </p:cNvPr>
+          <p:cNvPicPr>
+            <a:picLocks noChangeAspect="1"/>
+          </p:cNvPicPr>
+          <p:nvPr/>
+        </p:nvPicPr>
+        <p:blipFill>
+          <a:blip r:embed="rId2"/>
+          <a:stretch>
+            <a:fillRect/>
+          </a:stretch>
+        </p:blipFill>
+        <p:spPr>
+          <a:xfrm>
+            <a:off x="1423498" y="3167215"/>
+            <a:ext cx="8559671" cy="843267"/>
+          </a:xfrm>
+          <a:prstGeom prst="rect">
+            <a:avLst/>
+          </a:prstGeom>
+        </p:spPr>
+      </p:pic>
+      <p:pic>
+        <p:nvPicPr>
+          <p:cNvPr id="4" name="Picture 3">
+            <a:extLst>
+              <a:ext uri="{FF2B5EF4-FFF2-40B4-BE49-F238E27FC236}">
+                <a16:creationId xmlns:a16="http://schemas.microsoft.com/office/drawing/2014/main" id="{A12E7173-0B54-88C6-C782-C8A49DE0F4AF}"/>
+              </a:ext>
+            </a:extLst>
+          </p:cNvPr>
+          <p:cNvPicPr>
+            <a:picLocks noChangeAspect="1"/>
+          </p:cNvPicPr>
+          <p:nvPr/>
+        </p:nvPicPr>
+        <p:blipFill>
+          <a:blip r:embed="rId3"/>
+          <a:stretch>
+            <a:fillRect/>
+          </a:stretch>
+        </p:blipFill>
+        <p:spPr>
+          <a:xfrm>
+            <a:off x="1423498" y="2083525"/>
+            <a:ext cx="8743897" cy="843268"/>
+          </a:xfrm>
+          <a:prstGeom prst="rect">
+            <a:avLst/>
+          </a:prstGeom>
+        </p:spPr>
+      </p:pic>
+      <p:pic>
+        <p:nvPicPr>
+          <p:cNvPr id="5" name="Picture 4">
+            <a:extLst>
+              <a:ext uri="{FF2B5EF4-FFF2-40B4-BE49-F238E27FC236}">
+                <a16:creationId xmlns:a16="http://schemas.microsoft.com/office/drawing/2014/main" id="{41FC000C-78FA-3B6B-630E-D52D3C193909}"/>
+              </a:ext>
+            </a:extLst>
+          </p:cNvPr>
+          <p:cNvPicPr>
+            <a:picLocks noChangeAspect="1"/>
+          </p:cNvPicPr>
+          <p:nvPr/>
+        </p:nvPicPr>
+        <p:blipFill>
+          <a:blip r:embed="rId4"/>
+          <a:stretch>
+            <a:fillRect/>
+          </a:stretch>
+        </p:blipFill>
+        <p:spPr>
+          <a:xfrm>
+            <a:off x="2762590" y="4123780"/>
+            <a:ext cx="5883699" cy="876296"/>
+          </a:xfrm>
+          <a:prstGeom prst="rect">
+            <a:avLst/>
+          </a:prstGeom>
+        </p:spPr>
+      </p:pic>
+      <p:sp>
+        <p:nvSpPr>
+          <p:cNvPr id="6" name="TextBox 5">
+            <a:extLst>
+              <a:ext uri="{FF2B5EF4-FFF2-40B4-BE49-F238E27FC236}">
+                <a16:creationId xmlns:a16="http://schemas.microsoft.com/office/drawing/2014/main" id="{87B693C8-21AF-2E2D-3851-D47C3DEBFFF1}"/>
+              </a:ext>
+            </a:extLst>
+          </p:cNvPr>
+          <p:cNvSpPr txBox="1"/>
+          <p:nvPr/>
+        </p:nvSpPr>
+        <p:spPr>
+          <a:xfrm>
+            <a:off x="838200" y="5229035"/>
+            <a:ext cx="9375682" cy="400110"/>
+          </a:xfrm>
+          <a:prstGeom prst="rect">
+            <a:avLst/>
+          </a:prstGeom>
+          <a:noFill/>
+        </p:spPr>
+        <p:txBody>
+          <a:bodyPr wrap="square" rtlCol="0">
+            <a:spAutoFit/>
+          </a:bodyPr>
+          <a:lstStyle/>
+          <a:p>
+            <a:r>
+              <a:rPr lang="en-US" sz="2000" b="1" dirty="0"/>
+              <a:t>We can approximate the marginal vector field if these functions are simple/tractable: </a:t>
+            </a:r>
+          </a:p>
+        </p:txBody>
+      </p:sp>
+      <p:pic>
+        <p:nvPicPr>
+          <p:cNvPr id="7" name="Picture 6">
+            <a:extLst>
+              <a:ext uri="{FF2B5EF4-FFF2-40B4-BE49-F238E27FC236}">
+                <a16:creationId xmlns:a16="http://schemas.microsoft.com/office/drawing/2014/main" id="{E7B62C37-71DA-17D1-2D11-A7D64BAFEE04}"/>
+              </a:ext>
+            </a:extLst>
+          </p:cNvPr>
+          <p:cNvPicPr>
+            <a:picLocks noChangeAspect="1"/>
+          </p:cNvPicPr>
+          <p:nvPr/>
+        </p:nvPicPr>
+        <p:blipFill rotWithShape="1">
+          <a:blip r:embed="rId2"/>
+          <a:srcRect l="78950" t="-2426" r="4553"/>
+          <a:stretch/>
+        </p:blipFill>
+        <p:spPr>
+          <a:xfrm>
+            <a:off x="7234178" y="5722421"/>
+            <a:ext cx="1412111" cy="863731"/>
+          </a:xfrm>
+          <a:prstGeom prst="rect">
+            <a:avLst/>
+          </a:prstGeom>
+        </p:spPr>
+      </p:pic>
+      <p:pic>
+        <p:nvPicPr>
+          <p:cNvPr id="8" name="Picture 7">
+            <a:extLst>
+              <a:ext uri="{FF2B5EF4-FFF2-40B4-BE49-F238E27FC236}">
+                <a16:creationId xmlns:a16="http://schemas.microsoft.com/office/drawing/2014/main" id="{B247D0B2-C54D-550C-AB44-B3384D3228B3}"/>
+              </a:ext>
+            </a:extLst>
+          </p:cNvPr>
+          <p:cNvPicPr>
+            <a:picLocks noChangeAspect="1"/>
+          </p:cNvPicPr>
+          <p:nvPr/>
+        </p:nvPicPr>
+        <p:blipFill rotWithShape="1">
+          <a:blip r:embed="rId5"/>
+          <a:srcRect l="47636" r="5307"/>
+          <a:stretch/>
+        </p:blipFill>
+        <p:spPr>
+          <a:xfrm>
+            <a:off x="2409085" y="5872578"/>
+            <a:ext cx="707010" cy="563419"/>
+          </a:xfrm>
+          <a:prstGeom prst="rect">
+            <a:avLst/>
+          </a:prstGeom>
+        </p:spPr>
+      </p:pic>
+      <p:pic>
+        <p:nvPicPr>
+          <p:cNvPr id="9" name="Picture 8">
+            <a:extLst>
+              <a:ext uri="{FF2B5EF4-FFF2-40B4-BE49-F238E27FC236}">
+                <a16:creationId xmlns:a16="http://schemas.microsoft.com/office/drawing/2014/main" id="{BFFDD1C7-B0FC-A1F4-7BBC-5F0AB72FEF76}"/>
+              </a:ext>
+            </a:extLst>
+          </p:cNvPr>
+          <p:cNvPicPr>
+            <a:picLocks noChangeAspect="1"/>
+          </p:cNvPicPr>
+          <p:nvPr/>
+        </p:nvPicPr>
+        <p:blipFill>
+          <a:blip r:embed="rId6"/>
+          <a:stretch>
+            <a:fillRect/>
+          </a:stretch>
+        </p:blipFill>
+        <p:spPr>
+          <a:xfrm>
+            <a:off x="4828262" y="5807611"/>
+            <a:ext cx="1267738" cy="685264"/>
+          </a:xfrm>
+          <a:prstGeom prst="rect">
+            <a:avLst/>
+          </a:prstGeom>
+        </p:spPr>
+      </p:pic>
+    </p:spTree>
+    <p:extLst>
+      <p:ext uri="{BB962C8B-B14F-4D97-AF65-F5344CB8AC3E}">
+        <p14:creationId xmlns:p14="http://schemas.microsoft.com/office/powerpoint/2010/main" val="1452539905"/>
+      </p:ext>
+    </p:extLst>
+  </p:cSld>
+  <p:clrMapOvr>
+    <a:masterClrMapping/>
+  </p:clrMapOvr>
+  <p:timing>
+    <p:tnLst>
+      <p:par>
+        <p:cTn id="1" dur="indefinite" restart="never" nodeType="tmRoot">
+          <p:childTnLst>
+            <p:seq concurrent="1" nextAc="seek">
+              <p:cTn id="2" dur="indefinite" nodeType="mainSeq">
+                <p:childTnLst>
+                  <p:par>
+                    <p:cTn id="3" fill="hold">
+                      <p:stCondLst>
+                        <p:cond delay="indefinite"/>
+                      </p:stCondLst>
+                      <p:childTnLst>
+                        <p:par>
+                          <p:cTn id="4" fill="hold">
+                            <p:stCondLst>
+                              <p:cond delay="0"/>
+                            </p:stCondLst>
+                            <p:childTnLst>
+                              <p:par>
+                                <p:cTn id="5" presetID="1" presetClass="entr" presetSubtype="0" fill="hold" nodeType="clickEffect">
+                                  <p:stCondLst>
+                                    <p:cond delay="0"/>
+                                  </p:stCondLst>
+                                  <p:childTnLst>
+                                    <p:set>
+                                      <p:cBhvr>
+                                        <p:cTn id="6" dur="1" fill="hold">
+                                          <p:stCondLst>
+                                            <p:cond delay="0"/>
+                                          </p:stCondLst>
+                                        </p:cTn>
+                                        <p:tgtEl>
+                                          <p:spTgt spid="4"/>
+                                        </p:tgtEl>
+                                        <p:attrNameLst>
+                                          <p:attrName>style.visibility</p:attrName>
+                                        </p:attrNameLst>
+                                      </p:cBhvr>
+                                      <p:to>
+                                        <p:strVal val="visible"/>
+                                      </p:to>
+                                    </p:set>
+                                  </p:childTnLst>
+                                </p:cTn>
+                              </p:par>
+                            </p:childTnLst>
+                          </p:cTn>
+                        </p:par>
+                      </p:childTnLst>
+                    </p:cTn>
+                  </p:par>
+                  <p:par>
+                    <p:cTn id="7" fill="hold">
+                      <p:stCondLst>
+                        <p:cond delay="indefinite"/>
+                      </p:stCondLst>
+                      <p:childTnLst>
+                        <p:par>
+                          <p:cTn id="8" fill="hold">
+                            <p:stCondLst>
+                              <p:cond delay="0"/>
+                            </p:stCondLst>
+                            <p:childTnLst>
+                              <p:par>
+                                <p:cTn id="9" presetID="1" presetClass="entr" presetSubtype="0" fill="hold" nodeType="clickEffect">
+                                  <p:stCondLst>
+                                    <p:cond delay="0"/>
+                                  </p:stCondLst>
+                                  <p:childTnLst>
+                                    <p:set>
+                                      <p:cBhvr>
+                                        <p:cTn id="10" dur="1" fill="hold">
+                                          <p:stCondLst>
+                                            <p:cond delay="0"/>
+                                          </p:stCondLst>
+                                        </p:cTn>
+                                        <p:tgtEl>
+                                          <p:spTgt spid="3"/>
+                                        </p:tgtEl>
+                                        <p:attrNameLst>
+                                          <p:attrName>style.visibility</p:attrName>
+                                        </p:attrNameLst>
+                                      </p:cBhvr>
+                                      <p:to>
+                                        <p:strVal val="visible"/>
+                                      </p:to>
+                                    </p:set>
+                                  </p:childTnLst>
+                                </p:cTn>
+                              </p:par>
+                            </p:childTnLst>
+                          </p:cTn>
+                        </p:par>
+                      </p:childTnLst>
+                    </p:cTn>
+                  </p:par>
+                  <p:par>
+                    <p:cTn id="11" fill="hold">
+                      <p:stCondLst>
+                        <p:cond delay="indefinite"/>
+                      </p:stCondLst>
+                      <p:childTnLst>
+                        <p:par>
+                          <p:cTn id="12" fill="hold">
+                            <p:stCondLst>
+                              <p:cond delay="0"/>
+                            </p:stCondLst>
+                            <p:childTnLst>
+                              <p:par>
+                                <p:cTn id="13" presetID="1" presetClass="entr" presetSubtype="0" fill="hold" nodeType="clickEffect">
+                                  <p:stCondLst>
+                                    <p:cond delay="0"/>
+                                  </p:stCondLst>
+                                  <p:childTnLst>
+                                    <p:set>
+                                      <p:cBhvr>
+                                        <p:cTn id="14" dur="1" fill="hold">
+                                          <p:stCondLst>
+                                            <p:cond delay="0"/>
+                                          </p:stCondLst>
+                                        </p:cTn>
+                                        <p:tgtEl>
+                                          <p:spTgt spid="5"/>
+                                        </p:tgtEl>
+                                        <p:attrNameLst>
+                                          <p:attrName>style.visibility</p:attrName>
+                                        </p:attrNameLst>
+                                      </p:cBhvr>
+                                      <p:to>
+                                        <p:strVal val="visible"/>
+                                      </p:to>
+                                    </p:set>
+                                  </p:childTnLst>
+                                </p:cTn>
+                              </p:par>
+                            </p:childTnLst>
+                          </p:cTn>
+                        </p:par>
+                      </p:childTnLst>
+                    </p:cTn>
+                  </p:par>
+                  <p:par>
+                    <p:cTn id="15" fill="hold">
+                      <p:stCondLst>
+                        <p:cond delay="indefinite"/>
+                      </p:stCondLst>
+                      <p:childTnLst>
+                        <p:par>
+                          <p:cTn id="16" fill="hold">
+                            <p:stCondLst>
+                              <p:cond delay="0"/>
+                            </p:stCondLst>
+                            <p:childTnLst>
+                              <p:par>
+                                <p:cTn id="17" presetID="1" presetClass="entr" presetSubtype="0" fill="hold" grpId="0" nodeType="clickEffect">
+                                  <p:stCondLst>
+                                    <p:cond delay="0"/>
+                                  </p:stCondLst>
+                                  <p:childTnLst>
+                                    <p:set>
+                                      <p:cBhvr>
+                                        <p:cTn id="18" dur="1" fill="hold">
+                                          <p:stCondLst>
+                                            <p:cond delay="0"/>
+                                          </p:stCondLst>
+                                        </p:cTn>
+                                        <p:tgtEl>
+                                          <p:spTgt spid="6"/>
+                                        </p:tgtEl>
+                                        <p:attrNameLst>
+                                          <p:attrName>style.visibility</p:attrName>
+                                        </p:attrNameLst>
+                                      </p:cBhvr>
+                                      <p:to>
+                                        <p:strVal val="visible"/>
+                                      </p:to>
+                                    </p:set>
+                                  </p:childTnLst>
+                                </p:cTn>
+                              </p:par>
+                              <p:par>
+                                <p:cTn id="19" presetID="1" presetClass="entr" presetSubtype="0" fill="hold" nodeType="withEffect">
+                                  <p:stCondLst>
+                                    <p:cond delay="0"/>
+                                  </p:stCondLst>
+                                  <p:childTnLst>
+                                    <p:set>
+                                      <p:cBhvr>
+                                        <p:cTn id="20" dur="1" fill="hold">
+                                          <p:stCondLst>
+                                            <p:cond delay="0"/>
+                                          </p:stCondLst>
+                                        </p:cTn>
+                                        <p:tgtEl>
+                                          <p:spTgt spid="9"/>
+                                        </p:tgtEl>
+                                        <p:attrNameLst>
+                                          <p:attrName>style.visibility</p:attrName>
+                                        </p:attrNameLst>
+                                      </p:cBhvr>
+                                      <p:to>
+                                        <p:strVal val="visible"/>
+                                      </p:to>
+                                    </p:set>
+                                  </p:childTnLst>
+                                </p:cTn>
+                              </p:par>
+                              <p:par>
+                                <p:cTn id="21" presetID="1" presetClass="entr" presetSubtype="0" fill="hold" nodeType="withEffect">
+                                  <p:stCondLst>
+                                    <p:cond delay="0"/>
+                                  </p:stCondLst>
+                                  <p:childTnLst>
+                                    <p:set>
+                                      <p:cBhvr>
+                                        <p:cTn id="22" dur="1" fill="hold">
+                                          <p:stCondLst>
+                                            <p:cond delay="0"/>
+                                          </p:stCondLst>
+                                        </p:cTn>
+                                        <p:tgtEl>
+                                          <p:spTgt spid="7"/>
+                                        </p:tgtEl>
+                                        <p:attrNameLst>
+                                          <p:attrName>style.visibility</p:attrName>
+                                        </p:attrNameLst>
+                                      </p:cBhvr>
+                                      <p:to>
+                                        <p:strVal val="visible"/>
+                                      </p:to>
+                                    </p:set>
+                                  </p:childTnLst>
+                                </p:cTn>
+                              </p:par>
+                              <p:par>
+                                <p:cTn id="23" presetID="1" presetClass="entr" presetSubtype="0" fill="hold" nodeType="withEffect">
+                                  <p:stCondLst>
+                                    <p:cond delay="0"/>
+                                  </p:stCondLst>
+                                  <p:childTnLst>
+                                    <p:set>
+                                      <p:cBhvr>
+                                        <p:cTn id="24" dur="1" fill="hold">
+                                          <p:stCondLst>
+                                            <p:cond delay="0"/>
+                                          </p:stCondLst>
+                                        </p:cTn>
+                                        <p:tgtEl>
+                                          <p:spTgt spid="8"/>
+                                        </p:tgtEl>
+                                        <p:attrNameLst>
+                                          <p:attrName>style.visibility</p:attrName>
+                                        </p:attrNameLst>
+                                      </p:cBhvr>
+                                      <p:to>
+                                        <p:strVal val="visible"/>
+                                      </p:to>
+                                    </p:set>
+                                  </p:childTnLst>
+                                </p:cTn>
+                              </p:par>
+                            </p:childTnLst>
+                          </p:cTn>
+                        </p:par>
+                      </p:childTnLst>
+                    </p:cTn>
+                  </p:par>
+                </p:childTnLst>
+              </p:cTn>
+              <p:prevCondLst>
+                <p:cond evt="onPrev" delay="0">
+                  <p:tgtEl>
+                    <p:sldTgt/>
+                  </p:tgtEl>
+                </p:cond>
+              </p:prevCondLst>
+              <p:nextCondLst>
+                <p:cond evt="onNext" delay="0">
+                  <p:tgtEl>
+                    <p:sldTgt/>
+                  </p:tgtEl>
+                </p:cond>
+              </p:nextCondLst>
+            </p:seq>
+          </p:childTnLst>
+        </p:cTn>
+      </p:par>
+    </p:tnLst>
+    <p:bldLst>
+      <p:bldP spid="6" grpId="0"/>
+    </p:bldLst>
+  </p:timing>
+</p:sld>
+</file>
+
+<file path=ppt/slides/slide19.xml><?xml version="1.0" encoding="utf-8"?>
+<p:sld xmlns:a="http://schemas.openxmlformats.org/drawingml/2006/main" xmlns:r="http://schemas.openxmlformats.org/officeDocument/2006/relationships" xmlns:p="http://schemas.openxmlformats.org/presentationml/2006/main">
+  <p:cSld>
+    <p:spTree>
+      <p:nvGrpSpPr>
+        <p:cNvPr id="1" name=""/>
+        <p:cNvGrpSpPr/>
+        <p:nvPr/>
+      </p:nvGrpSpPr>
+      <p:grpSpPr>
+        <a:xfrm>
+          <a:off x="0" y="0"/>
+          <a:ext cx="0" cy="0"/>
+          <a:chOff x="0" y="0"/>
+          <a:chExt cx="0" cy="0"/>
+        </a:xfrm>
+      </p:grpSpPr>
+      <p:sp>
+        <p:nvSpPr>
+          <p:cNvPr id="2" name="Title 1">
+            <a:extLst>
+              <a:ext uri="{FF2B5EF4-FFF2-40B4-BE49-F238E27FC236}">
+                <a16:creationId xmlns:a16="http://schemas.microsoft.com/office/drawing/2014/main" id="{3D31933C-6255-A980-7C2D-C3875641586A}"/>
+              </a:ext>
+            </a:extLst>
+          </p:cNvPr>
+          <p:cNvSpPr>
+            <a:spLocks noGrp="1"/>
+          </p:cNvSpPr>
+          <p:nvPr>
+            <p:ph type="title"/>
+          </p:nvPr>
+        </p:nvSpPr>
+        <p:spPr/>
+        <p:txBody>
+          <a:bodyPr/>
+          <a:lstStyle/>
+          <a:p>
+            <a:r>
+              <a:rPr lang="en-US" dirty="0"/>
+              <a:t>Choosing simple marginal distributions</a:t>
+            </a:r>
+          </a:p>
+        </p:txBody>
+      </p:sp>
+      <p:sp>
+        <p:nvSpPr>
+          <p:cNvPr id="3" name="TextBox 2">
+            <a:extLst>
+              <a:ext uri="{FF2B5EF4-FFF2-40B4-BE49-F238E27FC236}">
+                <a16:creationId xmlns:a16="http://schemas.microsoft.com/office/drawing/2014/main" id="{4D4B4C51-5534-5627-5A5A-FEDBCD165CC6}"/>
+              </a:ext>
+            </a:extLst>
+          </p:cNvPr>
+          <p:cNvSpPr txBox="1"/>
+          <p:nvPr/>
+        </p:nvSpPr>
+        <p:spPr>
+          <a:xfrm>
+            <a:off x="993057" y="1602660"/>
+            <a:ext cx="8170607" cy="830997"/>
+          </a:xfrm>
+          <a:prstGeom prst="rect">
+            <a:avLst/>
+          </a:prstGeom>
+          <a:noFill/>
+        </p:spPr>
+        <p:txBody>
+          <a:bodyPr wrap="square" rtlCol="0">
+            <a:spAutoFit/>
+          </a:bodyPr>
+          <a:lstStyle/>
+          <a:p>
+            <a:r>
+              <a:rPr lang="en-US" sz="2400" dirty="0"/>
+              <a:t>We choose conditional vector fields to be </a:t>
+            </a:r>
+            <a:r>
+              <a:rPr lang="en-US" sz="2400" b="1" dirty="0"/>
+              <a:t>vector fields with gaussian marginals</a:t>
+            </a:r>
+            <a:endParaRPr lang="en-US" sz="2400" dirty="0"/>
+          </a:p>
+        </p:txBody>
+      </p:sp>
+      <p:pic>
+        <p:nvPicPr>
+          <p:cNvPr id="5" name="Picture 4">
+            <a:extLst>
+              <a:ext uri="{FF2B5EF4-FFF2-40B4-BE49-F238E27FC236}">
+                <a16:creationId xmlns:a16="http://schemas.microsoft.com/office/drawing/2014/main" id="{C0D7ED8E-72E8-5490-7AEC-11DA299D5358}"/>
+              </a:ext>
+            </a:extLst>
+          </p:cNvPr>
+          <p:cNvPicPr>
+            <a:picLocks noChangeAspect="1"/>
+          </p:cNvPicPr>
+          <p:nvPr/>
+        </p:nvPicPr>
+        <p:blipFill>
+          <a:blip r:embed="rId2"/>
+          <a:stretch>
+            <a:fillRect/>
+          </a:stretch>
+        </p:blipFill>
+        <p:spPr>
+          <a:xfrm>
+            <a:off x="2006190" y="2433657"/>
+            <a:ext cx="3782896" cy="830997"/>
+          </a:xfrm>
+          <a:prstGeom prst="rect">
+            <a:avLst/>
+          </a:prstGeom>
+        </p:spPr>
+      </p:pic>
+      <p:pic>
+        <p:nvPicPr>
+          <p:cNvPr id="6" name="Picture 5">
+            <a:extLst>
+              <a:ext uri="{FF2B5EF4-FFF2-40B4-BE49-F238E27FC236}">
+                <a16:creationId xmlns:a16="http://schemas.microsoft.com/office/drawing/2014/main" id="{34F09F50-CDC3-291B-40BE-BDF065C915E6}"/>
+              </a:ext>
+            </a:extLst>
+          </p:cNvPr>
+          <p:cNvPicPr>
+            <a:picLocks noChangeAspect="1"/>
+          </p:cNvPicPr>
+          <p:nvPr/>
+        </p:nvPicPr>
+        <p:blipFill rotWithShape="1">
+          <a:blip r:embed="rId3"/>
+          <a:srcRect t="4587"/>
+          <a:stretch/>
+        </p:blipFill>
+        <p:spPr>
+          <a:xfrm>
+            <a:off x="6743093" y="2376021"/>
+            <a:ext cx="3932559" cy="926530"/>
+          </a:xfrm>
+          <a:prstGeom prst="rect">
+            <a:avLst/>
+          </a:prstGeom>
+        </p:spPr>
+      </p:pic>
+      <p:sp>
+        <p:nvSpPr>
+          <p:cNvPr id="7" name="TextBox 6">
+            <a:extLst>
+              <a:ext uri="{FF2B5EF4-FFF2-40B4-BE49-F238E27FC236}">
+                <a16:creationId xmlns:a16="http://schemas.microsoft.com/office/drawing/2014/main" id="{B5AEA590-DCB9-DE15-2220-F6005DC57E98}"/>
+              </a:ext>
+            </a:extLst>
+          </p:cNvPr>
+          <p:cNvSpPr txBox="1"/>
+          <p:nvPr/>
+        </p:nvSpPr>
+        <p:spPr>
+          <a:xfrm>
+            <a:off x="1032386" y="3429000"/>
+            <a:ext cx="8170607" cy="830997"/>
+          </a:xfrm>
+          <a:prstGeom prst="rect">
+            <a:avLst/>
+          </a:prstGeom>
+          <a:noFill/>
+        </p:spPr>
+        <p:txBody>
+          <a:bodyPr wrap="square" rtlCol="0">
+            <a:spAutoFit/>
+          </a:bodyPr>
+          <a:lstStyle/>
+          <a:p>
+            <a:r>
+              <a:rPr lang="en-US" sz="2400" dirty="0"/>
+              <a:t>We choose our latent variable to be the start and end points of a trajectory:</a:t>
+            </a:r>
+          </a:p>
+        </p:txBody>
+      </p:sp>
+      <p:pic>
+        <p:nvPicPr>
+          <p:cNvPr id="8" name="Picture 7">
+            <a:extLst>
+              <a:ext uri="{FF2B5EF4-FFF2-40B4-BE49-F238E27FC236}">
+                <a16:creationId xmlns:a16="http://schemas.microsoft.com/office/drawing/2014/main" id="{FFF237B6-2B57-74CE-1BEF-BA368B198DF8}"/>
+              </a:ext>
+            </a:extLst>
+          </p:cNvPr>
+          <p:cNvPicPr>
+            <a:picLocks noChangeAspect="1"/>
+          </p:cNvPicPr>
+          <p:nvPr/>
+        </p:nvPicPr>
+        <p:blipFill>
+          <a:blip r:embed="rId4"/>
+          <a:stretch>
+            <a:fillRect/>
+          </a:stretch>
+        </p:blipFill>
+        <p:spPr>
+          <a:xfrm>
+            <a:off x="2686453" y="4172672"/>
+            <a:ext cx="6624696" cy="844143"/>
+          </a:xfrm>
+          <a:prstGeom prst="rect">
+            <a:avLst/>
+          </a:prstGeom>
+        </p:spPr>
+      </p:pic>
+      <p:sp>
+        <p:nvSpPr>
+          <p:cNvPr id="9" name="TextBox 8">
+            <a:extLst>
+              <a:ext uri="{FF2B5EF4-FFF2-40B4-BE49-F238E27FC236}">
+                <a16:creationId xmlns:a16="http://schemas.microsoft.com/office/drawing/2014/main" id="{FE8D8E73-3815-9972-B215-494026F9641B}"/>
+              </a:ext>
+            </a:extLst>
+          </p:cNvPr>
+          <p:cNvSpPr txBox="1"/>
+          <p:nvPr/>
+        </p:nvSpPr>
+        <p:spPr>
+          <a:xfrm>
+            <a:off x="1032386" y="5003669"/>
+            <a:ext cx="8170607" cy="830997"/>
+          </a:xfrm>
+          <a:prstGeom prst="rect">
+            <a:avLst/>
+          </a:prstGeom>
+          <a:noFill/>
+        </p:spPr>
+        <p:txBody>
+          <a:bodyPr wrap="square" rtlCol="0">
+            <a:spAutoFit/>
+          </a:bodyPr>
+          <a:lstStyle/>
+          <a:p>
+            <a:r>
+              <a:rPr lang="en-US" sz="2400" dirty="0"/>
+              <a:t>Instead of sampling x0 and x1 independently, we can compute an optimal alignment:</a:t>
+            </a:r>
+          </a:p>
+        </p:txBody>
+      </p:sp>
+      <p:pic>
+        <p:nvPicPr>
+          <p:cNvPr id="10" name="Picture 9">
+            <a:extLst>
+              <a:ext uri="{FF2B5EF4-FFF2-40B4-BE49-F238E27FC236}">
+                <a16:creationId xmlns:a16="http://schemas.microsoft.com/office/drawing/2014/main" id="{29E77D74-E1C4-A6A1-8621-7F49E5C601CC}"/>
+              </a:ext>
+            </a:extLst>
+          </p:cNvPr>
+          <p:cNvPicPr>
+            <a:picLocks noChangeAspect="1"/>
+          </p:cNvPicPr>
+          <p:nvPr/>
+        </p:nvPicPr>
+        <p:blipFill>
+          <a:blip r:embed="rId5"/>
+          <a:stretch>
+            <a:fillRect/>
+          </a:stretch>
+        </p:blipFill>
+        <p:spPr>
+          <a:xfrm>
+            <a:off x="3897638" y="5834666"/>
+            <a:ext cx="3040011" cy="836405"/>
+          </a:xfrm>
+          <a:prstGeom prst="rect">
+            <a:avLst/>
+          </a:prstGeom>
+        </p:spPr>
+      </p:pic>
+    </p:spTree>
+    <p:extLst>
+      <p:ext uri="{BB962C8B-B14F-4D97-AF65-F5344CB8AC3E}">
+        <p14:creationId xmlns:p14="http://schemas.microsoft.com/office/powerpoint/2010/main" val="2658210469"/>
+      </p:ext>
+    </p:extLst>
+  </p:cSld>
+  <p:clrMapOvr>
+    <a:masterClrMapping/>
+  </p:clrMapOvr>
+  <p:timing>
+    <p:tnLst>
+      <p:par>
+        <p:cTn id="1" dur="indefinite" restart="never" nodeType="tmRoot">
+          <p:childTnLst>
+            <p:seq concurrent="1" nextAc="seek">
+              <p:cTn id="2" dur="indefinite" nodeType="mainSeq">
+                <p:childTnLst>
+                  <p:par>
+                    <p:cTn id="3" fill="hold">
+                      <p:stCondLst>
+                        <p:cond delay="indefinite"/>
+                      </p:stCondLst>
+                      <p:childTnLst>
+                        <p:par>
+                          <p:cTn id="4" fill="hold">
+                            <p:stCondLst>
+                              <p:cond delay="0"/>
+                            </p:stCondLst>
+                            <p:childTnLst>
+                              <p:par>
+                                <p:cTn id="5" presetID="1" presetClass="entr" presetSubtype="0" fill="hold" nodeType="clickEffect">
+                                  <p:stCondLst>
+                                    <p:cond delay="0"/>
+                                  </p:stCondLst>
+                                  <p:childTnLst>
+                                    <p:set>
+                                      <p:cBhvr>
+                                        <p:cTn id="6" dur="1" fill="hold">
+                                          <p:stCondLst>
+                                            <p:cond delay="0"/>
+                                          </p:stCondLst>
+                                        </p:cTn>
+                                        <p:tgtEl>
+                                          <p:spTgt spid="5"/>
+                                        </p:tgtEl>
+                                        <p:attrNameLst>
+                                          <p:attrName>style.visibility</p:attrName>
+                                        </p:attrNameLst>
+                                      </p:cBhvr>
+                                      <p:to>
+                                        <p:strVal val="visible"/>
+                                      </p:to>
+                                    </p:set>
+                                  </p:childTnLst>
+                                </p:cTn>
+                              </p:par>
+                              <p:par>
+                                <p:cTn id="7" presetID="1" presetClass="entr" presetSubtype="0" fill="hold" nodeType="withEffect">
+                                  <p:stCondLst>
+                                    <p:cond delay="0"/>
+                                  </p:stCondLst>
+                                  <p:childTnLst>
+                                    <p:set>
+                                      <p:cBhvr>
+                                        <p:cTn id="8" dur="1" fill="hold">
+                                          <p:stCondLst>
+                                            <p:cond delay="0"/>
+                                          </p:stCondLst>
+                                        </p:cTn>
+                                        <p:tgtEl>
+                                          <p:spTgt spid="6"/>
+                                        </p:tgtEl>
+                                        <p:attrNameLst>
+                                          <p:attrName>style.visibility</p:attrName>
+                                        </p:attrNameLst>
+                                      </p:cBhvr>
+                                      <p:to>
+                                        <p:strVal val="visible"/>
+                                      </p:to>
+                                    </p:set>
+                                  </p:childTnLst>
+                                </p:cTn>
+                              </p:par>
+                            </p:childTnLst>
+                          </p:cTn>
+                        </p:par>
+                      </p:childTnLst>
+                    </p:cTn>
+                  </p:par>
+                  <p:par>
+                    <p:cTn id="9" fill="hold">
+                      <p:stCondLst>
+                        <p:cond delay="indefinite"/>
+                      </p:stCondLst>
+                      <p:childTnLst>
+                        <p:par>
+                          <p:cTn id="10" fill="hold">
+                            <p:stCondLst>
+                              <p:cond delay="0"/>
+                            </p:stCondLst>
+                            <p:childTnLst>
+                              <p:par>
+                                <p:cTn id="11" presetID="1" presetClass="entr" presetSubtype="0" fill="hold" grpId="0" nodeType="clickEffect">
+                                  <p:stCondLst>
+                                    <p:cond delay="0"/>
+                                  </p:stCondLst>
+                                  <p:childTnLst>
+                                    <p:set>
+                                      <p:cBhvr>
+                                        <p:cTn id="12" dur="1" fill="hold">
+                                          <p:stCondLst>
+                                            <p:cond delay="0"/>
+                                          </p:stCondLst>
+                                        </p:cTn>
+                                        <p:tgtEl>
+                                          <p:spTgt spid="7"/>
+                                        </p:tgtEl>
+                                        <p:attrNameLst>
+                                          <p:attrName>style.visibility</p:attrName>
+                                        </p:attrNameLst>
+                                      </p:cBhvr>
+                                      <p:to>
+                                        <p:strVal val="visible"/>
+                                      </p:to>
+                                    </p:set>
+                                  </p:childTnLst>
+                                </p:cTn>
+                              </p:par>
+                              <p:par>
+                                <p:cTn id="13" presetID="1" presetClass="entr" presetSubtype="0" fill="hold" nodeType="withEffect">
+                                  <p:stCondLst>
+                                    <p:cond delay="0"/>
+                                  </p:stCondLst>
+                                  <p:childTnLst>
+                                    <p:set>
+                                      <p:cBhvr>
+                                        <p:cTn id="14" dur="1" fill="hold">
+                                          <p:stCondLst>
+                                            <p:cond delay="0"/>
+                                          </p:stCondLst>
+                                        </p:cTn>
+                                        <p:tgtEl>
+                                          <p:spTgt spid="8"/>
+                                        </p:tgtEl>
+                                        <p:attrNameLst>
+                                          <p:attrName>style.visibility</p:attrName>
+                                        </p:attrNameLst>
+                                      </p:cBhvr>
+                                      <p:to>
+                                        <p:strVal val="visible"/>
+                                      </p:to>
+                                    </p:set>
+                                  </p:childTnLst>
+                                </p:cTn>
+                              </p:par>
+                            </p:childTnLst>
+                          </p:cTn>
+                        </p:par>
+                      </p:childTnLst>
+                    </p:cTn>
+                  </p:par>
+                  <p:par>
+                    <p:cTn id="15" fill="hold">
+                      <p:stCondLst>
+                        <p:cond delay="indefinite"/>
+                      </p:stCondLst>
+                      <p:childTnLst>
+                        <p:par>
+                          <p:cTn id="16" fill="hold">
+                            <p:stCondLst>
+                              <p:cond delay="0"/>
+                            </p:stCondLst>
+                            <p:childTnLst>
+                              <p:par>
+                                <p:cTn id="17" presetID="1" presetClass="entr" presetSubtype="0" fill="hold" grpId="0" nodeType="clickEffect">
+                                  <p:stCondLst>
+                                    <p:cond delay="0"/>
+                                  </p:stCondLst>
+                                  <p:childTnLst>
+                                    <p:set>
+                                      <p:cBhvr>
+                                        <p:cTn id="18" dur="1" fill="hold">
+                                          <p:stCondLst>
+                                            <p:cond delay="0"/>
+                                          </p:stCondLst>
+                                        </p:cTn>
+                                        <p:tgtEl>
+                                          <p:spTgt spid="9"/>
+                                        </p:tgtEl>
+                                        <p:attrNameLst>
+                                          <p:attrName>style.visibility</p:attrName>
+                                        </p:attrNameLst>
+                                      </p:cBhvr>
+                                      <p:to>
+                                        <p:strVal val="visible"/>
+                                      </p:to>
+                                    </p:set>
+                                  </p:childTnLst>
+                                </p:cTn>
+                              </p:par>
+                              <p:par>
+                                <p:cTn id="19" presetID="1" presetClass="entr" presetSubtype="0" fill="hold" nodeType="withEffect">
+                                  <p:stCondLst>
+                                    <p:cond delay="0"/>
+                                  </p:stCondLst>
+                                  <p:childTnLst>
+                                    <p:set>
+                                      <p:cBhvr>
+                                        <p:cTn id="20" dur="1" fill="hold">
+                                          <p:stCondLst>
+                                            <p:cond delay="0"/>
+                                          </p:stCondLst>
+                                        </p:cTn>
+                                        <p:tgtEl>
+                                          <p:spTgt spid="10"/>
+                                        </p:tgtEl>
+                                        <p:attrNameLst>
+                                          <p:attrName>style.visibility</p:attrName>
+                                        </p:attrNameLst>
+                                      </p:cBhvr>
+                                      <p:to>
+                                        <p:strVal val="visible"/>
+                                      </p:to>
+                                    </p:set>
+                                  </p:childTnLst>
+                                </p:cTn>
+                              </p:par>
+                            </p:childTnLst>
+                          </p:cTn>
+                        </p:par>
+                      </p:childTnLst>
+                    </p:cTn>
+                  </p:par>
+                </p:childTnLst>
+              </p:cTn>
+              <p:prevCondLst>
+                <p:cond evt="onPrev" delay="0">
+                  <p:tgtEl>
+                    <p:sldTgt/>
+                  </p:tgtEl>
+                </p:cond>
+              </p:prevCondLst>
+              <p:nextCondLst>
+                <p:cond evt="onNext" delay="0">
+                  <p:tgtEl>
+                    <p:sldTgt/>
+                  </p:tgtEl>
+                </p:cond>
+              </p:nextCondLst>
+            </p:seq>
+          </p:childTnLst>
+        </p:cTn>
+      </p:par>
+    </p:tnLst>
+    <p:bldLst>
+      <p:bldP spid="7" grpId="0"/>
+      <p:bldP spid="9" grpId="0"/>
+    </p:bldLst>
+  </p:timing>
 </p:sld>
 </file>
 
@@ -4984,6 +8183,241 @@
 </p:sld>
 </file>
 
+<file path=ppt/slides/slide20.xml><?xml version="1.0" encoding="utf-8"?>
+<p:sld xmlns:a="http://schemas.openxmlformats.org/drawingml/2006/main" xmlns:r="http://schemas.openxmlformats.org/officeDocument/2006/relationships" xmlns:p="http://schemas.openxmlformats.org/presentationml/2006/main">
+  <p:cSld>
+    <p:spTree>
+      <p:nvGrpSpPr>
+        <p:cNvPr id="1" name=""/>
+        <p:cNvGrpSpPr/>
+        <p:nvPr/>
+      </p:nvGrpSpPr>
+      <p:grpSpPr>
+        <a:xfrm>
+          <a:off x="0" y="0"/>
+          <a:ext cx="0" cy="0"/>
+          <a:chOff x="0" y="0"/>
+          <a:chExt cx="0" cy="0"/>
+        </a:xfrm>
+      </p:grpSpPr>
+      <p:sp>
+        <p:nvSpPr>
+          <p:cNvPr id="2" name="Title 1">
+            <a:extLst>
+              <a:ext uri="{FF2B5EF4-FFF2-40B4-BE49-F238E27FC236}">
+                <a16:creationId xmlns:a16="http://schemas.microsoft.com/office/drawing/2014/main" id="{1D1B657D-EFCC-526A-0E59-09B677B538DF}"/>
+              </a:ext>
+            </a:extLst>
+          </p:cNvPr>
+          <p:cNvSpPr>
+            <a:spLocks noGrp="1"/>
+          </p:cNvSpPr>
+          <p:nvPr>
+            <p:ph type="title"/>
+          </p:nvPr>
+        </p:nvSpPr>
+        <p:spPr/>
+        <p:txBody>
+          <a:bodyPr/>
+          <a:lstStyle/>
+          <a:p>
+            <a:endParaRPr lang="en-US"/>
+          </a:p>
+        </p:txBody>
+      </p:sp>
+      <p:pic>
+        <p:nvPicPr>
+          <p:cNvPr id="3" name="Picture 2">
+            <a:extLst>
+              <a:ext uri="{FF2B5EF4-FFF2-40B4-BE49-F238E27FC236}">
+                <a16:creationId xmlns:a16="http://schemas.microsoft.com/office/drawing/2014/main" id="{E8A1E1D1-72B2-F853-CF8B-A0CC59AB26E6}"/>
+              </a:ext>
+            </a:extLst>
+          </p:cNvPr>
+          <p:cNvPicPr>
+            <a:picLocks noChangeAspect="1"/>
+          </p:cNvPicPr>
+          <p:nvPr/>
+        </p:nvPicPr>
+        <p:blipFill>
+          <a:blip r:embed="rId2"/>
+          <a:stretch>
+            <a:fillRect/>
+          </a:stretch>
+        </p:blipFill>
+        <p:spPr>
+          <a:xfrm>
+            <a:off x="1954162" y="2469366"/>
+            <a:ext cx="7772400" cy="2528868"/>
+          </a:xfrm>
+          <a:prstGeom prst="rect">
+            <a:avLst/>
+          </a:prstGeom>
+        </p:spPr>
+      </p:pic>
+    </p:spTree>
+    <p:extLst>
+      <p:ext uri="{BB962C8B-B14F-4D97-AF65-F5344CB8AC3E}">
+        <p14:creationId xmlns:p14="http://schemas.microsoft.com/office/powerpoint/2010/main" val="4224845408"/>
+      </p:ext>
+    </p:extLst>
+  </p:cSld>
+  <p:clrMapOvr>
+    <a:masterClrMapping/>
+  </p:clrMapOvr>
+</p:sld>
+</file>
+
+<file path=ppt/slides/slide21.xml><?xml version="1.0" encoding="utf-8"?>
+<p:sld xmlns:a="http://schemas.openxmlformats.org/drawingml/2006/main" xmlns:r="http://schemas.openxmlformats.org/officeDocument/2006/relationships" xmlns:p="http://schemas.openxmlformats.org/presentationml/2006/main">
+  <p:cSld>
+    <p:spTree>
+      <p:nvGrpSpPr>
+        <p:cNvPr id="1" name=""/>
+        <p:cNvGrpSpPr/>
+        <p:nvPr/>
+      </p:nvGrpSpPr>
+      <p:grpSpPr>
+        <a:xfrm>
+          <a:off x="0" y="0"/>
+          <a:ext cx="0" cy="0"/>
+          <a:chOff x="0" y="0"/>
+          <a:chExt cx="0" cy="0"/>
+        </a:xfrm>
+      </p:grpSpPr>
+      <p:pic>
+        <p:nvPicPr>
+          <p:cNvPr id="2" name="Picture 1">
+            <a:extLst>
+              <a:ext uri="{FF2B5EF4-FFF2-40B4-BE49-F238E27FC236}">
+                <a16:creationId xmlns:a16="http://schemas.microsoft.com/office/drawing/2014/main" id="{2253FD01-0989-E981-8BDE-E13BDAA6E947}"/>
+              </a:ext>
+            </a:extLst>
+          </p:cNvPr>
+          <p:cNvPicPr>
+            <a:picLocks noChangeAspect="1"/>
+          </p:cNvPicPr>
+          <p:nvPr/>
+        </p:nvPicPr>
+        <p:blipFill>
+          <a:blip r:embed="rId2"/>
+          <a:stretch>
+            <a:fillRect/>
+          </a:stretch>
+        </p:blipFill>
+        <p:spPr>
+          <a:xfrm>
+            <a:off x="2131142" y="790294"/>
+            <a:ext cx="7772400" cy="2111425"/>
+          </a:xfrm>
+          <a:prstGeom prst="rect">
+            <a:avLst/>
+          </a:prstGeom>
+        </p:spPr>
+      </p:pic>
+      <p:pic>
+        <p:nvPicPr>
+          <p:cNvPr id="3" name="Picture 2">
+            <a:extLst>
+              <a:ext uri="{FF2B5EF4-FFF2-40B4-BE49-F238E27FC236}">
+                <a16:creationId xmlns:a16="http://schemas.microsoft.com/office/drawing/2014/main" id="{F79811F9-489C-6B4F-2A26-7CBD04DA0AE8}"/>
+              </a:ext>
+            </a:extLst>
+          </p:cNvPr>
+          <p:cNvPicPr>
+            <a:picLocks noChangeAspect="1"/>
+          </p:cNvPicPr>
+          <p:nvPr/>
+        </p:nvPicPr>
+        <p:blipFill>
+          <a:blip r:embed="rId3"/>
+          <a:stretch>
+            <a:fillRect/>
+          </a:stretch>
+        </p:blipFill>
+        <p:spPr>
+          <a:xfrm>
+            <a:off x="2131142" y="3183193"/>
+            <a:ext cx="7772400" cy="2656470"/>
+          </a:xfrm>
+          <a:prstGeom prst="rect">
+            <a:avLst/>
+          </a:prstGeom>
+        </p:spPr>
+      </p:pic>
+    </p:spTree>
+    <p:extLst>
+      <p:ext uri="{BB962C8B-B14F-4D97-AF65-F5344CB8AC3E}">
+        <p14:creationId xmlns:p14="http://schemas.microsoft.com/office/powerpoint/2010/main" val="1801255689"/>
+      </p:ext>
+    </p:extLst>
+  </p:cSld>
+  <p:clrMapOvr>
+    <a:masterClrMapping/>
+  </p:clrMapOvr>
+</p:sld>
+</file>
+
+<file path=ppt/slides/slide22.xml><?xml version="1.0" encoding="utf-8"?>
+<p:sld xmlns:a="http://schemas.openxmlformats.org/drawingml/2006/main" xmlns:r="http://schemas.openxmlformats.org/officeDocument/2006/relationships" xmlns:p="http://schemas.openxmlformats.org/presentationml/2006/main">
+  <p:cSld>
+    <p:spTree>
+      <p:nvGrpSpPr>
+        <p:cNvPr id="1" name=""/>
+        <p:cNvGrpSpPr/>
+        <p:nvPr/>
+      </p:nvGrpSpPr>
+      <p:grpSpPr>
+        <a:xfrm>
+          <a:off x="0" y="0"/>
+          <a:ext cx="0" cy="0"/>
+          <a:chOff x="0" y="0"/>
+          <a:chExt cx="0" cy="0"/>
+        </a:xfrm>
+      </p:grpSpPr>
+      <p:pic>
+        <p:nvPicPr>
+          <p:cNvPr id="3" name="Picture 2">
+            <a:extLst>
+              <a:ext uri="{FF2B5EF4-FFF2-40B4-BE49-F238E27FC236}">
+                <a16:creationId xmlns:a16="http://schemas.microsoft.com/office/drawing/2014/main" id="{8BCEF60C-AFA8-0ED2-D51F-FD920B1BC66E}"/>
+              </a:ext>
+            </a:extLst>
+          </p:cNvPr>
+          <p:cNvPicPr>
+            <a:picLocks noChangeAspect="1"/>
+          </p:cNvPicPr>
+          <p:nvPr/>
+        </p:nvPicPr>
+        <p:blipFill>
+          <a:blip r:embed="rId2"/>
+          <a:stretch>
+            <a:fillRect/>
+          </a:stretch>
+        </p:blipFill>
+        <p:spPr>
+          <a:xfrm>
+            <a:off x="2062316" y="1712867"/>
+            <a:ext cx="7772400" cy="3078304"/>
+          </a:xfrm>
+          <a:prstGeom prst="rect">
+            <a:avLst/>
+          </a:prstGeom>
+        </p:spPr>
+      </p:pic>
+    </p:spTree>
+    <p:extLst>
+      <p:ext uri="{BB962C8B-B14F-4D97-AF65-F5344CB8AC3E}">
+        <p14:creationId xmlns:p14="http://schemas.microsoft.com/office/powerpoint/2010/main" val="714213287"/>
+      </p:ext>
+    </p:extLst>
+  </p:cSld>
+  <p:clrMapOvr>
+    <a:masterClrMapping/>
+  </p:clrMapOvr>
+</p:sld>
+</file>
+
 <file path=ppt/slides/slide3.xml><?xml version="1.0" encoding="utf-8"?>
 <p:sld xmlns:a="http://schemas.openxmlformats.org/drawingml/2006/main" xmlns:r="http://schemas.openxmlformats.org/officeDocument/2006/relationships" xmlns:p="http://schemas.openxmlformats.org/presentationml/2006/main">
   <p:cSld>
@@ -5348,6 +8782,33 @@
                                   </p:childTnLst>
                                 </p:cTn>
                               </p:par>
+                              <p:par>
+                                <p:cTn id="11" presetID="1" presetClass="entr" presetSubtype="0" fill="hold" nodeType="withEffect">
+                                  <p:stCondLst>
+                                    <p:cond delay="0"/>
+                                  </p:stCondLst>
+                                  <p:childTnLst>
+                                    <p:set>
+                                      <p:cBhvr>
+                                        <p:cTn id="12" dur="1" fill="hold">
+                                          <p:stCondLst>
+                                            <p:cond delay="0"/>
+                                          </p:stCondLst>
+                                        </p:cTn>
+                                        <p:tgtEl>
+                                          <p:spTgt spid="3"/>
+                                        </p:tgtEl>
+                                        <p:attrNameLst>
+                                          <p:attrName>style.visibility</p:attrName>
+                                        </p:attrNameLst>
+                                      </p:cBhvr>
+                                      <p:to>
+                                        <p:strVal val="visible"/>
+                                      </p:to>
+                                    </p:set>
+                                  </p:childTnLst>
+                                </p:cTn>
+                              </p:par>
                             </p:childTnLst>
                           </p:cTn>
                         </p:par>
@@ -5355,26 +8816,26 @@
                     </p:cTn>
                   </p:par>
                   <p:par>
-                    <p:cTn id="11" fill="hold">
+                    <p:cTn id="13" fill="hold">
                       <p:stCondLst>
                         <p:cond delay="indefinite"/>
                       </p:stCondLst>
                       <p:childTnLst>
                         <p:par>
-                          <p:cTn id="12" fill="hold">
+                          <p:cTn id="14" fill="hold">
                             <p:stCondLst>
                               <p:cond delay="0"/>
                             </p:stCondLst>
                             <p:childTnLst>
                               <p:par>
-                                <p:cTn id="13" presetID="1" presetClass="entr" presetSubtype="0" fill="hold" nodeType="clickEffect">
+                                <p:cTn id="15" presetID="1" presetClass="entr" presetSubtype="0" fill="hold" nodeType="clickEffect">
                                   <p:stCondLst>
                                     <p:cond delay="0"/>
                                   </p:stCondLst>
                                   <p:childTnLst>
                                     <p:set>
                                       <p:cBhvr>
-                                        <p:cTn id="14" dur="1" fill="hold">
+                                        <p:cTn id="16" dur="1" fill="hold">
                                           <p:stCondLst>
                                             <p:cond delay="0"/>
                                           </p:stCondLst>
